--- a/insuranio.pptx
+++ b/insuranio.pptx
@@ -9630,7 +9630,7 @@
                   </a:solidFill>
                   <a:latin typeface="Comic Sans MS" pitchFamily="66" charset="0"/>
                 </a:rPr>
-                <a:t>Have all your finances in one place</a:t>
+                <a:t>Slow processing of claims</a:t>
               </a:r>
             </a:p>
           </p:txBody>
@@ -10144,9 +10144,9 @@
         <p:grpSpPr>
           <a:xfrm>
             <a:off x="3115157" y="1048071"/>
-            <a:ext cx="1361698" cy="1321704"/>
+            <a:ext cx="1361698" cy="1315360"/>
             <a:chOff x="3782030" y="2752271"/>
-            <a:chExt cx="1361698" cy="1321704"/>
+            <a:chExt cx="1361698" cy="1315360"/>
           </a:xfrm>
         </p:grpSpPr>
         <p:sp>
@@ -10562,7 +10562,7 @@
           <p:spPr>
             <a:xfrm>
               <a:off x="3824170" y="2873646"/>
-              <a:ext cx="1225364" cy="1200329"/>
+              <a:ext cx="1225364" cy="1015663"/>
             </a:xfrm>
             <a:prstGeom prst="rect">
               <a:avLst/>
@@ -10688,25 +10688,7 @@
                   </a:solidFill>
                   <a:latin typeface="Comic Sans MS" pitchFamily="66" charset="0"/>
                 </a:rPr>
-                <a:t>leveraging bank &amp; </a:t>
-              </a:r>
-              <a:r>
-                <a:rPr lang="en-US" sz="1200" dirty="0" err="1">
-                  <a:solidFill>
-                    <a:schemeClr val="bg1"/>
-                  </a:solidFill>
-                  <a:latin typeface="Comic Sans MS" pitchFamily="66" charset="0"/>
-                </a:rPr>
-                <a:t>Transferwise</a:t>
-              </a:r>
-              <a:r>
-                <a:rPr lang="en-US" sz="1200" dirty="0">
-                  <a:solidFill>
-                    <a:schemeClr val="bg1"/>
-                  </a:solidFill>
-                  <a:latin typeface="Comic Sans MS" pitchFamily="66" charset="0"/>
-                </a:rPr>
-                <a:t> APIS</a:t>
+                <a:t>leveraging drones and blockchain</a:t>
               </a:r>
             </a:p>
           </p:txBody>
@@ -11640,8 +11622,8 @@
           </p:nvSpPr>
           <p:spPr>
             <a:xfrm rot="21356622">
-              <a:off x="5423505" y="3136582"/>
-              <a:ext cx="1310700" cy="461665"/>
+              <a:off x="5423505" y="3186801"/>
+              <a:ext cx="1310700" cy="361227"/>
             </a:xfrm>
             <a:prstGeom prst="rect">
               <a:avLst/>
@@ -11755,7 +11737,7 @@
                   </a:solidFill>
                   <a:latin typeface="Comic Sans MS" pitchFamily="66" charset="0"/>
                 </a:rPr>
-                <a:t>Bank Aggregation</a:t>
+                <a:t>Drones</a:t>
               </a:r>
             </a:p>
           </p:txBody>
@@ -12683,8 +12665,8 @@
           </p:nvSpPr>
           <p:spPr>
             <a:xfrm rot="21599113">
-              <a:off x="7162380" y="2889583"/>
-              <a:ext cx="1225364" cy="1200329"/>
+              <a:off x="7162380" y="3166582"/>
+              <a:ext cx="1225364" cy="646331"/>
             </a:xfrm>
             <a:prstGeom prst="rect">
               <a:avLst/>
@@ -12798,25 +12780,7 @@
                   </a:solidFill>
                   <a:latin typeface="Comic Sans MS" pitchFamily="66" charset="0"/>
                 </a:rPr>
-                <a:t>Acquired access to </a:t>
-              </a:r>
-              <a:r>
-                <a:rPr lang="en-US" sz="1200" dirty="0" err="1">
-                  <a:solidFill>
-                    <a:schemeClr val="bg1"/>
-                  </a:solidFill>
-                  <a:latin typeface="Comic Sans MS" pitchFamily="66" charset="0"/>
-                </a:rPr>
-                <a:t>Transferwise</a:t>
-              </a:r>
-              <a:r>
-                <a:rPr lang="en-US" sz="1200" dirty="0">
-                  <a:solidFill>
-                    <a:schemeClr val="bg1"/>
-                  </a:solidFill>
-                  <a:latin typeface="Comic Sans MS" pitchFamily="66" charset="0"/>
-                </a:rPr>
-                <a:t> by contacting support directly</a:t>
+                <a:t>First to market in Cyprus</a:t>
               </a:r>
             </a:p>
           </p:txBody>
@@ -13756,8 +13720,8 @@
           </p:nvSpPr>
           <p:spPr>
             <a:xfrm rot="254975">
-              <a:off x="8692386" y="3057605"/>
-              <a:ext cx="1520552" cy="830997"/>
+              <a:off x="8692386" y="3149938"/>
+              <a:ext cx="1520552" cy="646331"/>
             </a:xfrm>
             <a:prstGeom prst="rect">
               <a:avLst/>
@@ -13871,7 +13835,7 @@
                   </a:solidFill>
                   <a:latin typeface="Comic Sans MS" pitchFamily="66" charset="0"/>
                 </a:rPr>
-                <a:t>Send money between accounts in different banks/currencies</a:t>
+                <a:t>Costly and insecure audit trail for claims</a:t>
               </a:r>
             </a:p>
           </p:txBody>
@@ -14814,8 +14778,8 @@
           </p:nvSpPr>
           <p:spPr>
             <a:xfrm rot="254975">
-              <a:off x="8845861" y="3112602"/>
-              <a:ext cx="1225364" cy="830997"/>
+              <a:off x="8845861" y="3297268"/>
+              <a:ext cx="1225364" cy="461665"/>
             </a:xfrm>
             <a:prstGeom prst="rect">
               <a:avLst/>
@@ -14929,7 +14893,7 @@
                   </a:solidFill>
                   <a:latin typeface="Comic Sans MS" pitchFamily="66" charset="0"/>
                 </a:rPr>
-                <a:t>People with accounts in different countries</a:t>
+                <a:t>Insurance Companies</a:t>
               </a:r>
             </a:p>
           </p:txBody>
@@ -16506,10 +16470,10 @@
         </p:nvGrpSpPr>
         <p:grpSpPr>
           <a:xfrm>
-            <a:off x="6265085" y="3306619"/>
-            <a:ext cx="955095" cy="608179"/>
+            <a:off x="6265085" y="3335259"/>
+            <a:ext cx="1753761" cy="1011789"/>
             <a:chOff x="2058488" y="2787967"/>
-            <a:chExt cx="1361698" cy="1315360"/>
+            <a:chExt cx="1361698" cy="1952128"/>
           </a:xfrm>
         </p:grpSpPr>
         <p:sp>
@@ -16927,8 +16891,8 @@
           </p:nvSpPr>
           <p:spPr>
             <a:xfrm rot="21360000">
-              <a:off x="2128051" y="3036057"/>
-              <a:ext cx="1225364" cy="276999"/>
+              <a:off x="2114852" y="2942829"/>
+              <a:ext cx="1225364" cy="1797266"/>
             </a:xfrm>
             <a:prstGeom prst="rect">
               <a:avLst/>
@@ -17042,7 +17006,7 @@
                   </a:solidFill>
                   <a:latin typeface="Comic Sans MS" pitchFamily="66" charset="0"/>
                 </a:rPr>
-                <a:t>Facebook</a:t>
+                <a:t>Partnership with existing insurers</a:t>
               </a:r>
             </a:p>
           </p:txBody>
@@ -17555,7 +17519,7 @@
         </p:nvGrpSpPr>
         <p:grpSpPr>
           <a:xfrm>
-            <a:off x="8377687" y="2564734"/>
+            <a:off x="8359556" y="3271326"/>
             <a:ext cx="1361698" cy="1315360"/>
             <a:chOff x="3782030" y="2752271"/>
             <a:chExt cx="1361698" cy="1315360"/>
@@ -18082,13 +18046,22 @@
             <a:p>
               <a:pPr algn="ctr"/>
               <a:r>
-                <a:rPr lang="en-US" sz="1200" dirty="0">
+                <a:rPr lang="en-US" sz="1200" dirty="0" err="1">
                   <a:solidFill>
                     <a:schemeClr val="bg1"/>
                   </a:solidFill>
                   <a:latin typeface="Comic Sans MS" pitchFamily="66" charset="0"/>
                 </a:rPr>
-                <a:t>Remote workers</a:t>
+                <a:t>Authorised</a:t>
+              </a:r>
+              <a:r>
+                <a:rPr lang="en-US" sz="1200" dirty="0">
+                  <a:solidFill>
+                    <a:schemeClr val="bg1"/>
+                  </a:solidFill>
+                  <a:latin typeface="Comic Sans MS" pitchFamily="66" charset="0"/>
+                </a:rPr>
+                <a:t> Repair Shops</a:t>
               </a:r>
             </a:p>
           </p:txBody>
@@ -18607,10 +18580,10 @@
         </p:nvGrpSpPr>
         <p:grpSpPr>
           <a:xfrm>
-            <a:off x="2795575" y="3306928"/>
-            <a:ext cx="1844281" cy="1687460"/>
+            <a:off x="2840271" y="3145054"/>
+            <a:ext cx="1844281" cy="2167231"/>
             <a:chOff x="7060989" y="2626516"/>
-            <a:chExt cx="1844281" cy="1687460"/>
+            <a:chExt cx="1844281" cy="1773351"/>
           </a:xfrm>
         </p:grpSpPr>
         <p:sp>
@@ -19022,8 +18995,8 @@
           </p:nvSpPr>
           <p:spPr>
             <a:xfrm rot="21599113">
-              <a:off x="7060989" y="2922539"/>
-              <a:ext cx="1690873" cy="1384995"/>
+              <a:off x="7060989" y="2830207"/>
+              <a:ext cx="1690873" cy="1569660"/>
             </a:xfrm>
             <a:prstGeom prst="rect">
               <a:avLst/>
@@ -19140,7 +19113,7 @@
                   </a:solidFill>
                   <a:latin typeface="Comic Sans MS" pitchFamily="66" charset="0"/>
                 </a:rPr>
-                <a:t>Number of banks</a:t>
+                <a:t>Time for processing claim</a:t>
               </a:r>
             </a:p>
             <a:p>
@@ -19155,7 +19128,7 @@
                   </a:solidFill>
                   <a:latin typeface="Comic Sans MS" pitchFamily="66" charset="0"/>
                 </a:rPr>
-                <a:t>Number of accounts</a:t>
+                <a:t>Cost for processing claim</a:t>
               </a:r>
             </a:p>
             <a:p>
@@ -19170,7 +19143,7 @@
                   </a:solidFill>
                   <a:latin typeface="Comic Sans MS" pitchFamily="66" charset="0"/>
                 </a:rPr>
-                <a:t>Number of transactions</a:t>
+                <a:t>Cost of manual process</a:t>
               </a:r>
             </a:p>
             <a:p>
@@ -19185,516 +19158,11 @@
                   </a:solidFill>
                   <a:latin typeface="Comic Sans MS" pitchFamily="66" charset="0"/>
                 </a:rPr>
-                <a:t>Number/size of FX transfers</a:t>
+                <a:t>Cost of automation</a:t>
               </a:r>
             </a:p>
           </p:txBody>
         </p:sp>
-        <p:grpSp>
-          <p:nvGrpSpPr>
-            <p:cNvPr id="81" name="Group 80"/>
-            <p:cNvGrpSpPr>
-              <a:grpSpLocks noChangeAspect="1"/>
-            </p:cNvGrpSpPr>
-            <p:nvPr/>
-          </p:nvGrpSpPr>
-          <p:grpSpPr>
-            <a:xfrm rot="21599113">
-              <a:off x="7734586" y="2774766"/>
-              <a:ext cx="184784" cy="186690"/>
-              <a:chOff x="4917745" y="2235200"/>
-              <a:chExt cx="2584952" cy="2489199"/>
-            </a:xfrm>
-            <a:effectLst>
-              <a:outerShdw blurRad="50800" dist="25400" dir="8100000" algn="tr" rotWithShape="0">
-                <a:prstClr val="black">
-                  <a:alpha val="45000"/>
-                </a:prstClr>
-              </a:outerShdw>
-            </a:effectLst>
-          </p:grpSpPr>
-          <p:sp>
-            <p:nvSpPr>
-              <p:cNvPr id="82" name="Oval 81"/>
-              <p:cNvSpPr/>
-              <p:nvPr/>
-            </p:nvSpPr>
-            <p:spPr>
-              <a:xfrm>
-                <a:off x="4917745" y="2429067"/>
-                <a:ext cx="2295331" cy="2295332"/>
-              </a:xfrm>
-              <a:prstGeom prst="ellipse">
-                <a:avLst/>
-              </a:prstGeom>
-              <a:solidFill>
-                <a:schemeClr val="accent6">
-                  <a:lumMod val="75000"/>
-                </a:schemeClr>
-              </a:solidFill>
-              <a:ln>
-                <a:noFill/>
-              </a:ln>
-              <a:effectLst/>
-              <a:scene3d>
-                <a:camera prst="orthographicFront">
-                  <a:rot lat="0" lon="0" rev="0"/>
-                </a:camera>
-                <a:lightRig rig="contrasting" dir="t">
-                  <a:rot lat="0" lon="0" rev="1500000"/>
-                </a:lightRig>
-              </a:scene3d>
-              <a:sp3d>
-                <a:bevelT w="44450" h="69850"/>
-              </a:sp3d>
-            </p:spPr>
-            <p:style>
-              <a:lnRef idx="1">
-                <a:schemeClr val="accent2"/>
-              </a:lnRef>
-              <a:fillRef idx="3">
-                <a:schemeClr val="accent2"/>
-              </a:fillRef>
-              <a:effectRef idx="2">
-                <a:schemeClr val="accent2"/>
-              </a:effectRef>
-              <a:fontRef idx="minor">
-                <a:schemeClr val="lt1"/>
-              </a:fontRef>
-            </p:style>
-            <p:txBody>
-              <a:bodyPr rot="0" spcFirstLastPara="0" vert="horz" wrap="square" lIns="91440" tIns="45720" rIns="91440" bIns="45720" numCol="1" spcCol="0" rtlCol="0" fromWordArt="0" anchor="ctr" anchorCtr="0" forceAA="0" compatLnSpc="1">
-                <a:prstTxWarp prst="textNoShape">
-                  <a:avLst/>
-                </a:prstTxWarp>
-                <a:noAutofit/>
-              </a:bodyPr>
-              <a:lstStyle>
-                <a:defPPr>
-                  <a:defRPr lang="en-US"/>
-                </a:defPPr>
-                <a:lvl1pPr marL="0" algn="l" defTabSz="914400" rtl="0" eaLnBrk="1" latinLnBrk="0" hangingPunct="1">
-                  <a:defRPr sz="1800" kern="1200">
-                    <a:solidFill>
-                      <a:schemeClr val="lt1"/>
-                    </a:solidFill>
-                    <a:latin typeface="+mn-lt"/>
-                    <a:ea typeface="+mn-ea"/>
-                    <a:cs typeface="+mn-cs"/>
-                  </a:defRPr>
-                </a:lvl1pPr>
-                <a:lvl2pPr marL="457200" algn="l" defTabSz="914400" rtl="0" eaLnBrk="1" latinLnBrk="0" hangingPunct="1">
-                  <a:defRPr sz="1800" kern="1200">
-                    <a:solidFill>
-                      <a:schemeClr val="lt1"/>
-                    </a:solidFill>
-                    <a:latin typeface="+mn-lt"/>
-                    <a:ea typeface="+mn-ea"/>
-                    <a:cs typeface="+mn-cs"/>
-                  </a:defRPr>
-                </a:lvl2pPr>
-                <a:lvl3pPr marL="914400" algn="l" defTabSz="914400" rtl="0" eaLnBrk="1" latinLnBrk="0" hangingPunct="1">
-                  <a:defRPr sz="1800" kern="1200">
-                    <a:solidFill>
-                      <a:schemeClr val="lt1"/>
-                    </a:solidFill>
-                    <a:latin typeface="+mn-lt"/>
-                    <a:ea typeface="+mn-ea"/>
-                    <a:cs typeface="+mn-cs"/>
-                  </a:defRPr>
-                </a:lvl3pPr>
-                <a:lvl4pPr marL="1371600" algn="l" defTabSz="914400" rtl="0" eaLnBrk="1" latinLnBrk="0" hangingPunct="1">
-                  <a:defRPr sz="1800" kern="1200">
-                    <a:solidFill>
-                      <a:schemeClr val="lt1"/>
-                    </a:solidFill>
-                    <a:latin typeface="+mn-lt"/>
-                    <a:ea typeface="+mn-ea"/>
-                    <a:cs typeface="+mn-cs"/>
-                  </a:defRPr>
-                </a:lvl4pPr>
-                <a:lvl5pPr marL="1828800" algn="l" defTabSz="914400" rtl="0" eaLnBrk="1" latinLnBrk="0" hangingPunct="1">
-                  <a:defRPr sz="1800" kern="1200">
-                    <a:solidFill>
-                      <a:schemeClr val="lt1"/>
-                    </a:solidFill>
-                    <a:latin typeface="+mn-lt"/>
-                    <a:ea typeface="+mn-ea"/>
-                    <a:cs typeface="+mn-cs"/>
-                  </a:defRPr>
-                </a:lvl5pPr>
-                <a:lvl6pPr marL="2286000" algn="l" defTabSz="914400" rtl="0" eaLnBrk="1" latinLnBrk="0" hangingPunct="1">
-                  <a:defRPr sz="1800" kern="1200">
-                    <a:solidFill>
-                      <a:schemeClr val="lt1"/>
-                    </a:solidFill>
-                    <a:latin typeface="+mn-lt"/>
-                    <a:ea typeface="+mn-ea"/>
-                    <a:cs typeface="+mn-cs"/>
-                  </a:defRPr>
-                </a:lvl6pPr>
-                <a:lvl7pPr marL="2743200" algn="l" defTabSz="914400" rtl="0" eaLnBrk="1" latinLnBrk="0" hangingPunct="1">
-                  <a:defRPr sz="1800" kern="1200">
-                    <a:solidFill>
-                      <a:schemeClr val="lt1"/>
-                    </a:solidFill>
-                    <a:latin typeface="+mn-lt"/>
-                    <a:ea typeface="+mn-ea"/>
-                    <a:cs typeface="+mn-cs"/>
-                  </a:defRPr>
-                </a:lvl7pPr>
-                <a:lvl8pPr marL="3200400" algn="l" defTabSz="914400" rtl="0" eaLnBrk="1" latinLnBrk="0" hangingPunct="1">
-                  <a:defRPr sz="1800" kern="1200">
-                    <a:solidFill>
-                      <a:schemeClr val="lt1"/>
-                    </a:solidFill>
-                    <a:latin typeface="+mn-lt"/>
-                    <a:ea typeface="+mn-ea"/>
-                    <a:cs typeface="+mn-cs"/>
-                  </a:defRPr>
-                </a:lvl8pPr>
-                <a:lvl9pPr marL="3657600" algn="l" defTabSz="914400" rtl="0" eaLnBrk="1" latinLnBrk="0" hangingPunct="1">
-                  <a:defRPr sz="1800" kern="1200">
-                    <a:solidFill>
-                      <a:schemeClr val="lt1"/>
-                    </a:solidFill>
-                    <a:latin typeface="+mn-lt"/>
-                    <a:ea typeface="+mn-ea"/>
-                    <a:cs typeface="+mn-cs"/>
-                  </a:defRPr>
-                </a:lvl9pPr>
-              </a:lstStyle>
-              <a:p>
-                <a:pPr algn="ctr"/>
-                <a:endParaRPr lang="en-US" sz="1600">
-                  <a:solidFill>
-                    <a:schemeClr val="bg1"/>
-                  </a:solidFill>
-                </a:endParaRPr>
-              </a:p>
-            </p:txBody>
-          </p:sp>
-          <p:sp>
-            <p:nvSpPr>
-              <p:cNvPr id="83" name="Oval 82"/>
-              <p:cNvSpPr/>
-              <p:nvPr/>
-            </p:nvSpPr>
-            <p:spPr>
-              <a:xfrm>
-                <a:off x="5484130" y="2913213"/>
-                <a:ext cx="1253454" cy="1253453"/>
-              </a:xfrm>
-              <a:prstGeom prst="ellipse">
-                <a:avLst/>
-              </a:prstGeom>
-              <a:solidFill>
-                <a:schemeClr val="accent6">
-                  <a:lumMod val="50000"/>
-                </a:schemeClr>
-              </a:solidFill>
-              <a:ln>
-                <a:noFill/>
-              </a:ln>
-              <a:effectLst/>
-              <a:scene3d>
-                <a:camera prst="orthographicFront">
-                  <a:rot lat="0" lon="0" rev="0"/>
-                </a:camera>
-                <a:lightRig rig="contrasting" dir="t">
-                  <a:rot lat="0" lon="0" rev="1500000"/>
-                </a:lightRig>
-              </a:scene3d>
-              <a:sp3d/>
-            </p:spPr>
-            <p:style>
-              <a:lnRef idx="1">
-                <a:schemeClr val="accent2"/>
-              </a:lnRef>
-              <a:fillRef idx="3">
-                <a:schemeClr val="accent2"/>
-              </a:fillRef>
-              <a:effectRef idx="2">
-                <a:schemeClr val="accent2"/>
-              </a:effectRef>
-              <a:fontRef idx="minor">
-                <a:schemeClr val="lt1"/>
-              </a:fontRef>
-            </p:style>
-            <p:txBody>
-              <a:bodyPr rot="0" spcFirstLastPara="0" vert="horz" wrap="square" lIns="91440" tIns="45720" rIns="91440" bIns="45720" numCol="1" spcCol="0" rtlCol="0" fromWordArt="0" anchor="ctr" anchorCtr="0" forceAA="0" compatLnSpc="1">
-                <a:prstTxWarp prst="textNoShape">
-                  <a:avLst/>
-                </a:prstTxWarp>
-                <a:noAutofit/>
-              </a:bodyPr>
-              <a:lstStyle>
-                <a:defPPr>
-                  <a:defRPr lang="en-US"/>
-                </a:defPPr>
-                <a:lvl1pPr marL="0" algn="l" defTabSz="914400" rtl="0" eaLnBrk="1" latinLnBrk="0" hangingPunct="1">
-                  <a:defRPr sz="1800" kern="1200">
-                    <a:solidFill>
-                      <a:schemeClr val="lt1"/>
-                    </a:solidFill>
-                    <a:latin typeface="+mn-lt"/>
-                    <a:ea typeface="+mn-ea"/>
-                    <a:cs typeface="+mn-cs"/>
-                  </a:defRPr>
-                </a:lvl1pPr>
-                <a:lvl2pPr marL="457200" algn="l" defTabSz="914400" rtl="0" eaLnBrk="1" latinLnBrk="0" hangingPunct="1">
-                  <a:defRPr sz="1800" kern="1200">
-                    <a:solidFill>
-                      <a:schemeClr val="lt1"/>
-                    </a:solidFill>
-                    <a:latin typeface="+mn-lt"/>
-                    <a:ea typeface="+mn-ea"/>
-                    <a:cs typeface="+mn-cs"/>
-                  </a:defRPr>
-                </a:lvl2pPr>
-                <a:lvl3pPr marL="914400" algn="l" defTabSz="914400" rtl="0" eaLnBrk="1" latinLnBrk="0" hangingPunct="1">
-                  <a:defRPr sz="1800" kern="1200">
-                    <a:solidFill>
-                      <a:schemeClr val="lt1"/>
-                    </a:solidFill>
-                    <a:latin typeface="+mn-lt"/>
-                    <a:ea typeface="+mn-ea"/>
-                    <a:cs typeface="+mn-cs"/>
-                  </a:defRPr>
-                </a:lvl3pPr>
-                <a:lvl4pPr marL="1371600" algn="l" defTabSz="914400" rtl="0" eaLnBrk="1" latinLnBrk="0" hangingPunct="1">
-                  <a:defRPr sz="1800" kern="1200">
-                    <a:solidFill>
-                      <a:schemeClr val="lt1"/>
-                    </a:solidFill>
-                    <a:latin typeface="+mn-lt"/>
-                    <a:ea typeface="+mn-ea"/>
-                    <a:cs typeface="+mn-cs"/>
-                  </a:defRPr>
-                </a:lvl4pPr>
-                <a:lvl5pPr marL="1828800" algn="l" defTabSz="914400" rtl="0" eaLnBrk="1" latinLnBrk="0" hangingPunct="1">
-                  <a:defRPr sz="1800" kern="1200">
-                    <a:solidFill>
-                      <a:schemeClr val="lt1"/>
-                    </a:solidFill>
-                    <a:latin typeface="+mn-lt"/>
-                    <a:ea typeface="+mn-ea"/>
-                    <a:cs typeface="+mn-cs"/>
-                  </a:defRPr>
-                </a:lvl5pPr>
-                <a:lvl6pPr marL="2286000" algn="l" defTabSz="914400" rtl="0" eaLnBrk="1" latinLnBrk="0" hangingPunct="1">
-                  <a:defRPr sz="1800" kern="1200">
-                    <a:solidFill>
-                      <a:schemeClr val="lt1"/>
-                    </a:solidFill>
-                    <a:latin typeface="+mn-lt"/>
-                    <a:ea typeface="+mn-ea"/>
-                    <a:cs typeface="+mn-cs"/>
-                  </a:defRPr>
-                </a:lvl6pPr>
-                <a:lvl7pPr marL="2743200" algn="l" defTabSz="914400" rtl="0" eaLnBrk="1" latinLnBrk="0" hangingPunct="1">
-                  <a:defRPr sz="1800" kern="1200">
-                    <a:solidFill>
-                      <a:schemeClr val="lt1"/>
-                    </a:solidFill>
-                    <a:latin typeface="+mn-lt"/>
-                    <a:ea typeface="+mn-ea"/>
-                    <a:cs typeface="+mn-cs"/>
-                  </a:defRPr>
-                </a:lvl7pPr>
-                <a:lvl8pPr marL="3200400" algn="l" defTabSz="914400" rtl="0" eaLnBrk="1" latinLnBrk="0" hangingPunct="1">
-                  <a:defRPr sz="1800" kern="1200">
-                    <a:solidFill>
-                      <a:schemeClr val="lt1"/>
-                    </a:solidFill>
-                    <a:latin typeface="+mn-lt"/>
-                    <a:ea typeface="+mn-ea"/>
-                    <a:cs typeface="+mn-cs"/>
-                  </a:defRPr>
-                </a:lvl8pPr>
-                <a:lvl9pPr marL="3657600" algn="l" defTabSz="914400" rtl="0" eaLnBrk="1" latinLnBrk="0" hangingPunct="1">
-                  <a:defRPr sz="1800" kern="1200">
-                    <a:solidFill>
-                      <a:schemeClr val="lt1"/>
-                    </a:solidFill>
-                    <a:latin typeface="+mn-lt"/>
-                    <a:ea typeface="+mn-ea"/>
-                    <a:cs typeface="+mn-cs"/>
-                  </a:defRPr>
-                </a:lvl9pPr>
-              </a:lstStyle>
-              <a:p>
-                <a:pPr algn="ctr"/>
-                <a:endParaRPr lang="en-US" sz="1600">
-                  <a:solidFill>
-                    <a:schemeClr val="bg1"/>
-                  </a:solidFill>
-                </a:endParaRPr>
-              </a:p>
-            </p:txBody>
-          </p:sp>
-          <p:sp>
-            <p:nvSpPr>
-              <p:cNvPr id="84" name="Oval 83"/>
-              <p:cNvSpPr/>
-              <p:nvPr/>
-            </p:nvSpPr>
-            <p:spPr>
-              <a:xfrm>
-                <a:off x="5972471" y="2235200"/>
-                <a:ext cx="1530226" cy="1530226"/>
-              </a:xfrm>
-              <a:prstGeom prst="ellipse">
-                <a:avLst/>
-              </a:prstGeom>
-              <a:solidFill>
-                <a:schemeClr val="accent6">
-                  <a:lumMod val="75000"/>
-                </a:schemeClr>
-              </a:solidFill>
-              <a:ln>
-                <a:noFill/>
-              </a:ln>
-              <a:effectLst/>
-              <a:scene3d>
-                <a:camera prst="orthographicFront">
-                  <a:rot lat="0" lon="0" rev="0"/>
-                </a:camera>
-                <a:lightRig rig="contrasting" dir="t">
-                  <a:rot lat="0" lon="0" rev="1500000"/>
-                </a:lightRig>
-              </a:scene3d>
-              <a:sp3d>
-                <a:bevelT w="31750" h="69850"/>
-              </a:sp3d>
-            </p:spPr>
-            <p:style>
-              <a:lnRef idx="1">
-                <a:schemeClr val="accent2"/>
-              </a:lnRef>
-              <a:fillRef idx="3">
-                <a:schemeClr val="accent2"/>
-              </a:fillRef>
-              <a:effectRef idx="2">
-                <a:schemeClr val="accent2"/>
-              </a:effectRef>
-              <a:fontRef idx="minor">
-                <a:schemeClr val="lt1"/>
-              </a:fontRef>
-            </p:style>
-            <p:txBody>
-              <a:bodyPr rot="0" spcFirstLastPara="0" vert="horz" wrap="square" lIns="91440" tIns="45720" rIns="91440" bIns="45720" numCol="1" spcCol="0" rtlCol="0" fromWordArt="0" anchor="ctr" anchorCtr="0" forceAA="0" compatLnSpc="1">
-                <a:prstTxWarp prst="textNoShape">
-                  <a:avLst/>
-                </a:prstTxWarp>
-                <a:noAutofit/>
-              </a:bodyPr>
-              <a:lstStyle>
-                <a:defPPr>
-                  <a:defRPr lang="en-US"/>
-                </a:defPPr>
-                <a:lvl1pPr marL="0" algn="l" defTabSz="914400" rtl="0" eaLnBrk="1" latinLnBrk="0" hangingPunct="1">
-                  <a:defRPr sz="1800" kern="1200">
-                    <a:solidFill>
-                      <a:schemeClr val="lt1"/>
-                    </a:solidFill>
-                    <a:latin typeface="+mn-lt"/>
-                    <a:ea typeface="+mn-ea"/>
-                    <a:cs typeface="+mn-cs"/>
-                  </a:defRPr>
-                </a:lvl1pPr>
-                <a:lvl2pPr marL="457200" algn="l" defTabSz="914400" rtl="0" eaLnBrk="1" latinLnBrk="0" hangingPunct="1">
-                  <a:defRPr sz="1800" kern="1200">
-                    <a:solidFill>
-                      <a:schemeClr val="lt1"/>
-                    </a:solidFill>
-                    <a:latin typeface="+mn-lt"/>
-                    <a:ea typeface="+mn-ea"/>
-                    <a:cs typeface="+mn-cs"/>
-                  </a:defRPr>
-                </a:lvl2pPr>
-                <a:lvl3pPr marL="914400" algn="l" defTabSz="914400" rtl="0" eaLnBrk="1" latinLnBrk="0" hangingPunct="1">
-                  <a:defRPr sz="1800" kern="1200">
-                    <a:solidFill>
-                      <a:schemeClr val="lt1"/>
-                    </a:solidFill>
-                    <a:latin typeface="+mn-lt"/>
-                    <a:ea typeface="+mn-ea"/>
-                    <a:cs typeface="+mn-cs"/>
-                  </a:defRPr>
-                </a:lvl3pPr>
-                <a:lvl4pPr marL="1371600" algn="l" defTabSz="914400" rtl="0" eaLnBrk="1" latinLnBrk="0" hangingPunct="1">
-                  <a:defRPr sz="1800" kern="1200">
-                    <a:solidFill>
-                      <a:schemeClr val="lt1"/>
-                    </a:solidFill>
-                    <a:latin typeface="+mn-lt"/>
-                    <a:ea typeface="+mn-ea"/>
-                    <a:cs typeface="+mn-cs"/>
-                  </a:defRPr>
-                </a:lvl4pPr>
-                <a:lvl5pPr marL="1828800" algn="l" defTabSz="914400" rtl="0" eaLnBrk="1" latinLnBrk="0" hangingPunct="1">
-                  <a:defRPr sz="1800" kern="1200">
-                    <a:solidFill>
-                      <a:schemeClr val="lt1"/>
-                    </a:solidFill>
-                    <a:latin typeface="+mn-lt"/>
-                    <a:ea typeface="+mn-ea"/>
-                    <a:cs typeface="+mn-cs"/>
-                  </a:defRPr>
-                </a:lvl5pPr>
-                <a:lvl6pPr marL="2286000" algn="l" defTabSz="914400" rtl="0" eaLnBrk="1" latinLnBrk="0" hangingPunct="1">
-                  <a:defRPr sz="1800" kern="1200">
-                    <a:solidFill>
-                      <a:schemeClr val="lt1"/>
-                    </a:solidFill>
-                    <a:latin typeface="+mn-lt"/>
-                    <a:ea typeface="+mn-ea"/>
-                    <a:cs typeface="+mn-cs"/>
-                  </a:defRPr>
-                </a:lvl6pPr>
-                <a:lvl7pPr marL="2743200" algn="l" defTabSz="914400" rtl="0" eaLnBrk="1" latinLnBrk="0" hangingPunct="1">
-                  <a:defRPr sz="1800" kern="1200">
-                    <a:solidFill>
-                      <a:schemeClr val="lt1"/>
-                    </a:solidFill>
-                    <a:latin typeface="+mn-lt"/>
-                    <a:ea typeface="+mn-ea"/>
-                    <a:cs typeface="+mn-cs"/>
-                  </a:defRPr>
-                </a:lvl7pPr>
-                <a:lvl8pPr marL="3200400" algn="l" defTabSz="914400" rtl="0" eaLnBrk="1" latinLnBrk="0" hangingPunct="1">
-                  <a:defRPr sz="1800" kern="1200">
-                    <a:solidFill>
-                      <a:schemeClr val="lt1"/>
-                    </a:solidFill>
-                    <a:latin typeface="+mn-lt"/>
-                    <a:ea typeface="+mn-ea"/>
-                    <a:cs typeface="+mn-cs"/>
-                  </a:defRPr>
-                </a:lvl8pPr>
-                <a:lvl9pPr marL="3657600" algn="l" defTabSz="914400" rtl="0" eaLnBrk="1" latinLnBrk="0" hangingPunct="1">
-                  <a:defRPr sz="1800" kern="1200">
-                    <a:solidFill>
-                      <a:schemeClr val="lt1"/>
-                    </a:solidFill>
-                    <a:latin typeface="+mn-lt"/>
-                    <a:ea typeface="+mn-ea"/>
-                    <a:cs typeface="+mn-cs"/>
-                  </a:defRPr>
-                </a:lvl9pPr>
-              </a:lstStyle>
-              <a:p>
-                <a:pPr algn="ctr"/>
-                <a:endParaRPr lang="en-US" sz="1600">
-                  <a:solidFill>
-                    <a:schemeClr val="bg1"/>
-                  </a:solidFill>
-                </a:endParaRPr>
-              </a:p>
-            </p:txBody>
-          </p:sp>
-        </p:grpSp>
       </p:grpSp>
       <p:grpSp>
         <p:nvGrpSpPr>
@@ -19704,10 +19172,10 @@
         </p:nvGrpSpPr>
         <p:grpSpPr>
           <a:xfrm>
-            <a:off x="7520557" y="5549789"/>
-            <a:ext cx="1884859" cy="927438"/>
+            <a:off x="7520557" y="5549790"/>
+            <a:ext cx="1884859" cy="909284"/>
             <a:chOff x="7134660" y="2774766"/>
-            <a:chExt cx="1361698" cy="1341625"/>
+            <a:chExt cx="1361698" cy="1315363"/>
           </a:xfrm>
         </p:grpSpPr>
         <p:sp>
@@ -20119,8 +19587,8 @@
           </p:nvSpPr>
           <p:spPr>
             <a:xfrm rot="21599113">
-              <a:off x="7214465" y="2907303"/>
-              <a:ext cx="1225364" cy="1209088"/>
+              <a:off x="7214465" y="3311494"/>
+              <a:ext cx="1225364" cy="400705"/>
             </a:xfrm>
             <a:prstGeom prst="rect">
               <a:avLst/>
@@ -20234,7 +19702,7 @@
                   </a:solidFill>
                   <a:latin typeface="Comic Sans MS" pitchFamily="66" charset="0"/>
                 </a:rPr>
-                <a:t>Paid subscription to unlock “Advanced” features</a:t>
+                <a:t>Paid subscription</a:t>
               </a:r>
             </a:p>
           </p:txBody>
@@ -21304,7 +20772,7 @@
                   </a:solidFill>
                   <a:latin typeface="Comic Sans MS" pitchFamily="66" charset="0"/>
                 </a:rPr>
-                <a:t>Interactive Charts</a:t>
+                <a:t>Smart Contracts</a:t>
               </a:r>
             </a:p>
           </p:txBody>
@@ -22395,22 +21863,13 @@
             <a:p>
               <a:pPr algn="ctr"/>
               <a:r>
-                <a:rPr lang="en-US" sz="1200" dirty="0" err="1">
+                <a:rPr lang="en-US" sz="1200" dirty="0">
                   <a:solidFill>
                     <a:schemeClr val="bg1"/>
                   </a:solidFill>
                   <a:latin typeface="Comic Sans MS" pitchFamily="66" charset="0"/>
                 </a:rPr>
-                <a:t>Transferwise</a:t>
-              </a:r>
-              <a:r>
-                <a:rPr lang="en-US" sz="1200" dirty="0">
-                  <a:solidFill>
-                    <a:schemeClr val="bg1"/>
-                  </a:solidFill>
-                  <a:latin typeface="Comic Sans MS" pitchFamily="66" charset="0"/>
-                </a:rPr>
-                <a:t> Support</a:t>
+                <a:t>Blockchain Databases</a:t>
               </a:r>
             </a:p>
           </p:txBody>
@@ -25147,8 +24606,8 @@
         </p:nvGrpSpPr>
         <p:grpSpPr>
           <a:xfrm>
-            <a:off x="7178592" y="3584053"/>
-            <a:ext cx="987253" cy="778991"/>
+            <a:off x="7156972" y="3953797"/>
+            <a:ext cx="1014018" cy="510555"/>
             <a:chOff x="3782030" y="2752271"/>
             <a:chExt cx="1361698" cy="1315360"/>
           </a:xfrm>
@@ -26668,8 +26127,8 @@
           </p:nvSpPr>
           <p:spPr>
             <a:xfrm rot="21356622">
-              <a:off x="5423505" y="3066391"/>
-              <a:ext cx="1310700" cy="602046"/>
+              <a:off x="5423505" y="2984621"/>
+              <a:ext cx="1310700" cy="765584"/>
             </a:xfrm>
             <a:prstGeom prst="rect">
               <a:avLst/>
@@ -26783,7 +26242,7 @@
                   </a:solidFill>
                   <a:latin typeface="Comic Sans MS" pitchFamily="66" charset="0"/>
                 </a:rPr>
-                <a:t>Bank “partnerships”</a:t>
+                <a:t>Media Advertising</a:t>
               </a:r>
             </a:p>
           </p:txBody>
@@ -27161,1103 +26620,6 @@
               <a:xfrm>
                 <a:off x="5996517" y="2231626"/>
                 <a:ext cx="1530222" cy="1530221"/>
-              </a:xfrm>
-              <a:prstGeom prst="ellipse">
-                <a:avLst/>
-              </a:prstGeom>
-              <a:solidFill>
-                <a:srgbClr val="EBE600"/>
-              </a:solidFill>
-              <a:ln>
-                <a:noFill/>
-              </a:ln>
-              <a:effectLst/>
-              <a:scene3d>
-                <a:camera prst="orthographicFront">
-                  <a:rot lat="0" lon="0" rev="0"/>
-                </a:camera>
-                <a:lightRig rig="contrasting" dir="t">
-                  <a:rot lat="0" lon="0" rev="1500000"/>
-                </a:lightRig>
-              </a:scene3d>
-              <a:sp3d>
-                <a:bevelT w="31750" h="69850"/>
-              </a:sp3d>
-            </p:spPr>
-            <p:style>
-              <a:lnRef idx="1">
-                <a:schemeClr val="accent2"/>
-              </a:lnRef>
-              <a:fillRef idx="3">
-                <a:schemeClr val="accent2"/>
-              </a:fillRef>
-              <a:effectRef idx="2">
-                <a:schemeClr val="accent2"/>
-              </a:effectRef>
-              <a:fontRef idx="minor">
-                <a:schemeClr val="lt1"/>
-              </a:fontRef>
-            </p:style>
-            <p:txBody>
-              <a:bodyPr rot="0" spcFirstLastPara="0" vert="horz" wrap="square" lIns="91440" tIns="45720" rIns="91440" bIns="45720" numCol="1" spcCol="0" rtlCol="0" fromWordArt="0" anchor="ctr" anchorCtr="0" forceAA="0" compatLnSpc="1">
-                <a:prstTxWarp prst="textNoShape">
-                  <a:avLst/>
-                </a:prstTxWarp>
-                <a:noAutofit/>
-              </a:bodyPr>
-              <a:lstStyle>
-                <a:defPPr>
-                  <a:defRPr lang="en-US"/>
-                </a:defPPr>
-                <a:lvl1pPr marL="0" algn="l" defTabSz="914400" rtl="0" eaLnBrk="1" latinLnBrk="0" hangingPunct="1">
-                  <a:defRPr sz="1800" kern="1200">
-                    <a:solidFill>
-                      <a:schemeClr val="lt1"/>
-                    </a:solidFill>
-                    <a:latin typeface="+mn-lt"/>
-                    <a:ea typeface="+mn-ea"/>
-                    <a:cs typeface="+mn-cs"/>
-                  </a:defRPr>
-                </a:lvl1pPr>
-                <a:lvl2pPr marL="457200" algn="l" defTabSz="914400" rtl="0" eaLnBrk="1" latinLnBrk="0" hangingPunct="1">
-                  <a:defRPr sz="1800" kern="1200">
-                    <a:solidFill>
-                      <a:schemeClr val="lt1"/>
-                    </a:solidFill>
-                    <a:latin typeface="+mn-lt"/>
-                    <a:ea typeface="+mn-ea"/>
-                    <a:cs typeface="+mn-cs"/>
-                  </a:defRPr>
-                </a:lvl2pPr>
-                <a:lvl3pPr marL="914400" algn="l" defTabSz="914400" rtl="0" eaLnBrk="1" latinLnBrk="0" hangingPunct="1">
-                  <a:defRPr sz="1800" kern="1200">
-                    <a:solidFill>
-                      <a:schemeClr val="lt1"/>
-                    </a:solidFill>
-                    <a:latin typeface="+mn-lt"/>
-                    <a:ea typeface="+mn-ea"/>
-                    <a:cs typeface="+mn-cs"/>
-                  </a:defRPr>
-                </a:lvl3pPr>
-                <a:lvl4pPr marL="1371600" algn="l" defTabSz="914400" rtl="0" eaLnBrk="1" latinLnBrk="0" hangingPunct="1">
-                  <a:defRPr sz="1800" kern="1200">
-                    <a:solidFill>
-                      <a:schemeClr val="lt1"/>
-                    </a:solidFill>
-                    <a:latin typeface="+mn-lt"/>
-                    <a:ea typeface="+mn-ea"/>
-                    <a:cs typeface="+mn-cs"/>
-                  </a:defRPr>
-                </a:lvl4pPr>
-                <a:lvl5pPr marL="1828800" algn="l" defTabSz="914400" rtl="0" eaLnBrk="1" latinLnBrk="0" hangingPunct="1">
-                  <a:defRPr sz="1800" kern="1200">
-                    <a:solidFill>
-                      <a:schemeClr val="lt1"/>
-                    </a:solidFill>
-                    <a:latin typeface="+mn-lt"/>
-                    <a:ea typeface="+mn-ea"/>
-                    <a:cs typeface="+mn-cs"/>
-                  </a:defRPr>
-                </a:lvl5pPr>
-                <a:lvl6pPr marL="2286000" algn="l" defTabSz="914400" rtl="0" eaLnBrk="1" latinLnBrk="0" hangingPunct="1">
-                  <a:defRPr sz="1800" kern="1200">
-                    <a:solidFill>
-                      <a:schemeClr val="lt1"/>
-                    </a:solidFill>
-                    <a:latin typeface="+mn-lt"/>
-                    <a:ea typeface="+mn-ea"/>
-                    <a:cs typeface="+mn-cs"/>
-                  </a:defRPr>
-                </a:lvl6pPr>
-                <a:lvl7pPr marL="2743200" algn="l" defTabSz="914400" rtl="0" eaLnBrk="1" latinLnBrk="0" hangingPunct="1">
-                  <a:defRPr sz="1800" kern="1200">
-                    <a:solidFill>
-                      <a:schemeClr val="lt1"/>
-                    </a:solidFill>
-                    <a:latin typeface="+mn-lt"/>
-                    <a:ea typeface="+mn-ea"/>
-                    <a:cs typeface="+mn-cs"/>
-                  </a:defRPr>
-                </a:lvl7pPr>
-                <a:lvl8pPr marL="3200400" algn="l" defTabSz="914400" rtl="0" eaLnBrk="1" latinLnBrk="0" hangingPunct="1">
-                  <a:defRPr sz="1800" kern="1200">
-                    <a:solidFill>
-                      <a:schemeClr val="lt1"/>
-                    </a:solidFill>
-                    <a:latin typeface="+mn-lt"/>
-                    <a:ea typeface="+mn-ea"/>
-                    <a:cs typeface="+mn-cs"/>
-                  </a:defRPr>
-                </a:lvl8pPr>
-                <a:lvl9pPr marL="3657600" algn="l" defTabSz="914400" rtl="0" eaLnBrk="1" latinLnBrk="0" hangingPunct="1">
-                  <a:defRPr sz="1800" kern="1200">
-                    <a:solidFill>
-                      <a:schemeClr val="lt1"/>
-                    </a:solidFill>
-                    <a:latin typeface="+mn-lt"/>
-                    <a:ea typeface="+mn-ea"/>
-                    <a:cs typeface="+mn-cs"/>
-                  </a:defRPr>
-                </a:lvl9pPr>
-              </a:lstStyle>
-              <a:p>
-                <a:pPr algn="ctr"/>
-                <a:endParaRPr lang="en-US" sz="1600">
-                  <a:solidFill>
-                    <a:schemeClr val="bg1"/>
-                  </a:solidFill>
-                </a:endParaRPr>
-              </a:p>
-            </p:txBody>
-          </p:sp>
-        </p:grpSp>
-      </p:grpSp>
-      <p:grpSp>
-        <p:nvGrpSpPr>
-          <p:cNvPr id="142" name="Group 141">
-            <a:extLst>
-              <a:ext uri="{FF2B5EF4-FFF2-40B4-BE49-F238E27FC236}">
-                <a16:creationId xmlns:a16="http://schemas.microsoft.com/office/drawing/2014/main" id="{4B2E9E9B-84B5-4824-A6FC-034109F42AFE}"/>
-              </a:ext>
-            </a:extLst>
-          </p:cNvPr>
-          <p:cNvGrpSpPr/>
-          <p:nvPr/>
-        </p:nvGrpSpPr>
-        <p:grpSpPr>
-          <a:xfrm>
-            <a:off x="8550090" y="4126207"/>
-            <a:ext cx="1184604" cy="1163192"/>
-            <a:chOff x="5488236" y="2724219"/>
-            <a:chExt cx="1361698" cy="1904452"/>
-          </a:xfrm>
-        </p:grpSpPr>
-        <p:sp>
-          <p:nvSpPr>
-            <p:cNvPr id="143" name="Rectangle 19">
-              <a:extLst>
-                <a:ext uri="{FF2B5EF4-FFF2-40B4-BE49-F238E27FC236}">
-                  <a16:creationId xmlns:a16="http://schemas.microsoft.com/office/drawing/2014/main" id="{346F0968-5CEC-4B21-9DD7-452A93BF7838}"/>
-                </a:ext>
-              </a:extLst>
-            </p:cNvPr>
-            <p:cNvSpPr>
-              <a:spLocks noChangeAspect="1"/>
-            </p:cNvSpPr>
-            <p:nvPr/>
-          </p:nvSpPr>
-          <p:spPr>
-            <a:xfrm rot="21356622">
-              <a:off x="5488236" y="2724219"/>
-              <a:ext cx="1361698" cy="1614745"/>
-            </a:xfrm>
-            <a:custGeom>
-              <a:avLst/>
-              <a:gdLst>
-                <a:gd name="connsiteX0" fmla="*/ 0 w 1339596"/>
-                <a:gd name="connsiteY0" fmla="*/ 0 h 1219200"/>
-                <a:gd name="connsiteX1" fmla="*/ 1339596 w 1339596"/>
-                <a:gd name="connsiteY1" fmla="*/ 0 h 1219200"/>
-                <a:gd name="connsiteX2" fmla="*/ 1339596 w 1339596"/>
-                <a:gd name="connsiteY2" fmla="*/ 1219200 h 1219200"/>
-                <a:gd name="connsiteX3" fmla="*/ 0 w 1339596"/>
-                <a:gd name="connsiteY3" fmla="*/ 1219200 h 1219200"/>
-                <a:gd name="connsiteX4" fmla="*/ 0 w 1339596"/>
-                <a:gd name="connsiteY4" fmla="*/ 0 h 1219200"/>
-                <a:gd name="connsiteX0" fmla="*/ 0 w 1339596"/>
-                <a:gd name="connsiteY0" fmla="*/ 11733 h 1230933"/>
-                <a:gd name="connsiteX1" fmla="*/ 1306342 w 1339596"/>
-                <a:gd name="connsiteY1" fmla="*/ 0 h 1230933"/>
-                <a:gd name="connsiteX2" fmla="*/ 1339596 w 1339596"/>
-                <a:gd name="connsiteY2" fmla="*/ 1230933 h 1230933"/>
-                <a:gd name="connsiteX3" fmla="*/ 0 w 1339596"/>
-                <a:gd name="connsiteY3" fmla="*/ 1230933 h 1230933"/>
-                <a:gd name="connsiteX4" fmla="*/ 0 w 1339596"/>
-                <a:gd name="connsiteY4" fmla="*/ 11733 h 1230933"/>
-                <a:gd name="connsiteX0" fmla="*/ 55747 w 1339596"/>
-                <a:gd name="connsiteY0" fmla="*/ 12706 h 1230933"/>
-                <a:gd name="connsiteX1" fmla="*/ 1306342 w 1339596"/>
-                <a:gd name="connsiteY1" fmla="*/ 0 h 1230933"/>
-                <a:gd name="connsiteX2" fmla="*/ 1339596 w 1339596"/>
-                <a:gd name="connsiteY2" fmla="*/ 1230933 h 1230933"/>
-                <a:gd name="connsiteX3" fmla="*/ 0 w 1339596"/>
-                <a:gd name="connsiteY3" fmla="*/ 1230933 h 1230933"/>
-                <a:gd name="connsiteX4" fmla="*/ 55747 w 1339596"/>
-                <a:gd name="connsiteY4" fmla="*/ 12706 h 1230933"/>
-                <a:gd name="connsiteX0" fmla="*/ 28195 w 1339596"/>
-                <a:gd name="connsiteY0" fmla="*/ 12225 h 1230933"/>
-                <a:gd name="connsiteX1" fmla="*/ 1306342 w 1339596"/>
-                <a:gd name="connsiteY1" fmla="*/ 0 h 1230933"/>
-                <a:gd name="connsiteX2" fmla="*/ 1339596 w 1339596"/>
-                <a:gd name="connsiteY2" fmla="*/ 1230933 h 1230933"/>
-                <a:gd name="connsiteX3" fmla="*/ 0 w 1339596"/>
-                <a:gd name="connsiteY3" fmla="*/ 1230933 h 1230933"/>
-                <a:gd name="connsiteX4" fmla="*/ 28195 w 1339596"/>
-                <a:gd name="connsiteY4" fmla="*/ 12225 h 1230933"/>
-                <a:gd name="connsiteX0" fmla="*/ 28195 w 1353846"/>
-                <a:gd name="connsiteY0" fmla="*/ 6385 h 1225093"/>
-                <a:gd name="connsiteX1" fmla="*/ 1353846 w 1353846"/>
-                <a:gd name="connsiteY1" fmla="*/ 0 h 1225093"/>
-                <a:gd name="connsiteX2" fmla="*/ 1339596 w 1353846"/>
-                <a:gd name="connsiteY2" fmla="*/ 1225093 h 1225093"/>
-                <a:gd name="connsiteX3" fmla="*/ 0 w 1353846"/>
-                <a:gd name="connsiteY3" fmla="*/ 1225093 h 1225093"/>
-                <a:gd name="connsiteX4" fmla="*/ 28195 w 1353846"/>
-                <a:gd name="connsiteY4" fmla="*/ 6385 h 1225093"/>
-                <a:gd name="connsiteX0" fmla="*/ 20681 w 1353846"/>
-                <a:gd name="connsiteY0" fmla="*/ 6253 h 1225093"/>
-                <a:gd name="connsiteX1" fmla="*/ 1353846 w 1353846"/>
-                <a:gd name="connsiteY1" fmla="*/ 0 h 1225093"/>
-                <a:gd name="connsiteX2" fmla="*/ 1339596 w 1353846"/>
-                <a:gd name="connsiteY2" fmla="*/ 1225093 h 1225093"/>
-                <a:gd name="connsiteX3" fmla="*/ 0 w 1353846"/>
-                <a:gd name="connsiteY3" fmla="*/ 1225093 h 1225093"/>
-                <a:gd name="connsiteX4" fmla="*/ 20681 w 1353846"/>
-                <a:gd name="connsiteY4" fmla="*/ 6253 h 1225093"/>
-                <a:gd name="connsiteX0" fmla="*/ 20681 w 1339596"/>
-                <a:gd name="connsiteY0" fmla="*/ 6603 h 1225443"/>
-                <a:gd name="connsiteX1" fmla="*/ 1333808 w 1339596"/>
-                <a:gd name="connsiteY1" fmla="*/ 0 h 1225443"/>
-                <a:gd name="connsiteX2" fmla="*/ 1339596 w 1339596"/>
-                <a:gd name="connsiteY2" fmla="*/ 1225443 h 1225443"/>
-                <a:gd name="connsiteX3" fmla="*/ 0 w 1339596"/>
-                <a:gd name="connsiteY3" fmla="*/ 1225443 h 1225443"/>
-                <a:gd name="connsiteX4" fmla="*/ 20681 w 1339596"/>
-                <a:gd name="connsiteY4" fmla="*/ 6603 h 1225443"/>
-                <a:gd name="connsiteX0" fmla="*/ 33205 w 1339596"/>
-                <a:gd name="connsiteY0" fmla="*/ 6822 h 1225443"/>
-                <a:gd name="connsiteX1" fmla="*/ 1333808 w 1339596"/>
-                <a:gd name="connsiteY1" fmla="*/ 0 h 1225443"/>
-                <a:gd name="connsiteX2" fmla="*/ 1339596 w 1339596"/>
-                <a:gd name="connsiteY2" fmla="*/ 1225443 h 1225443"/>
-                <a:gd name="connsiteX3" fmla="*/ 0 w 1339596"/>
-                <a:gd name="connsiteY3" fmla="*/ 1225443 h 1225443"/>
-                <a:gd name="connsiteX4" fmla="*/ 33205 w 1339596"/>
-                <a:gd name="connsiteY4" fmla="*/ 6822 h 1225443"/>
-                <a:gd name="connsiteX0" fmla="*/ 13167 w 1339596"/>
-                <a:gd name="connsiteY0" fmla="*/ 6472 h 1225443"/>
-                <a:gd name="connsiteX1" fmla="*/ 1333808 w 1339596"/>
-                <a:gd name="connsiteY1" fmla="*/ 0 h 1225443"/>
-                <a:gd name="connsiteX2" fmla="*/ 1339596 w 1339596"/>
-                <a:gd name="connsiteY2" fmla="*/ 1225443 h 1225443"/>
-                <a:gd name="connsiteX3" fmla="*/ 0 w 1339596"/>
-                <a:gd name="connsiteY3" fmla="*/ 1225443 h 1225443"/>
-                <a:gd name="connsiteX4" fmla="*/ 13167 w 1339596"/>
-                <a:gd name="connsiteY4" fmla="*/ 6472 h 1225443"/>
-                <a:gd name="connsiteX0" fmla="*/ 13167 w 1333884"/>
-                <a:gd name="connsiteY0" fmla="*/ 6472 h 1225443"/>
-                <a:gd name="connsiteX1" fmla="*/ 1333808 w 1333884"/>
-                <a:gd name="connsiteY1" fmla="*/ 0 h 1225443"/>
-                <a:gd name="connsiteX2" fmla="*/ 1302330 w 1333884"/>
-                <a:gd name="connsiteY2" fmla="*/ 1207253 h 1225443"/>
-                <a:gd name="connsiteX3" fmla="*/ 0 w 1333884"/>
-                <a:gd name="connsiteY3" fmla="*/ 1225443 h 1225443"/>
-                <a:gd name="connsiteX4" fmla="*/ 13167 w 1333884"/>
-                <a:gd name="connsiteY4" fmla="*/ 6472 h 1225443"/>
-                <a:gd name="connsiteX0" fmla="*/ 13167 w 1334211"/>
-                <a:gd name="connsiteY0" fmla="*/ 6472 h 1232826"/>
-                <a:gd name="connsiteX1" fmla="*/ 1333808 w 1334211"/>
-                <a:gd name="connsiteY1" fmla="*/ 0 h 1232826"/>
-                <a:gd name="connsiteX2" fmla="*/ 1331950 w 1334211"/>
-                <a:gd name="connsiteY2" fmla="*/ 1232826 h 1232826"/>
-                <a:gd name="connsiteX3" fmla="*/ 0 w 1334211"/>
-                <a:gd name="connsiteY3" fmla="*/ 1225443 h 1232826"/>
-                <a:gd name="connsiteX4" fmla="*/ 13167 w 1334211"/>
-                <a:gd name="connsiteY4" fmla="*/ 6472 h 1232826"/>
-                <a:gd name="connsiteX0" fmla="*/ 13167 w 1333952"/>
-                <a:gd name="connsiteY0" fmla="*/ 6472 h 1225443"/>
-                <a:gd name="connsiteX1" fmla="*/ 1333808 w 1333952"/>
-                <a:gd name="connsiteY1" fmla="*/ 0 h 1225443"/>
-                <a:gd name="connsiteX2" fmla="*/ 1319601 w 1333952"/>
-                <a:gd name="connsiteY2" fmla="*/ 1222588 h 1225443"/>
-                <a:gd name="connsiteX3" fmla="*/ 0 w 1333952"/>
-                <a:gd name="connsiteY3" fmla="*/ 1225443 h 1225443"/>
-                <a:gd name="connsiteX4" fmla="*/ 13167 w 1333952"/>
-                <a:gd name="connsiteY4" fmla="*/ 6472 h 1225443"/>
-                <a:gd name="connsiteX0" fmla="*/ 30785 w 1333952"/>
-                <a:gd name="connsiteY0" fmla="*/ 0 h 1235984"/>
-                <a:gd name="connsiteX1" fmla="*/ 1333808 w 1333952"/>
-                <a:gd name="connsiteY1" fmla="*/ 10541 h 1235984"/>
-                <a:gd name="connsiteX2" fmla="*/ 1319601 w 1333952"/>
-                <a:gd name="connsiteY2" fmla="*/ 1233129 h 1235984"/>
-                <a:gd name="connsiteX3" fmla="*/ 0 w 1333952"/>
-                <a:gd name="connsiteY3" fmla="*/ 1235984 h 1235984"/>
-                <a:gd name="connsiteX4" fmla="*/ 30785 w 1333952"/>
-                <a:gd name="connsiteY4" fmla="*/ 0 h 1235984"/>
-                <a:gd name="connsiteX0" fmla="*/ 30785 w 1319601"/>
-                <a:gd name="connsiteY0" fmla="*/ 0 h 1235984"/>
-                <a:gd name="connsiteX1" fmla="*/ 1312848 w 1319601"/>
-                <a:gd name="connsiteY1" fmla="*/ 20567 h 1235984"/>
-                <a:gd name="connsiteX2" fmla="*/ 1319601 w 1319601"/>
-                <a:gd name="connsiteY2" fmla="*/ 1233129 h 1235984"/>
-                <a:gd name="connsiteX3" fmla="*/ 0 w 1319601"/>
-                <a:gd name="connsiteY3" fmla="*/ 1235984 h 1235984"/>
-                <a:gd name="connsiteX4" fmla="*/ 30785 w 1319601"/>
-                <a:gd name="connsiteY4" fmla="*/ 0 h 1235984"/>
-                <a:gd name="connsiteX0" fmla="*/ 30785 w 1319601"/>
-                <a:gd name="connsiteY0" fmla="*/ 0 h 1258608"/>
-                <a:gd name="connsiteX1" fmla="*/ 1312848 w 1319601"/>
-                <a:gd name="connsiteY1" fmla="*/ 20567 h 1258608"/>
-                <a:gd name="connsiteX2" fmla="*/ 1319601 w 1319601"/>
-                <a:gd name="connsiteY2" fmla="*/ 1233129 h 1258608"/>
-                <a:gd name="connsiteX3" fmla="*/ 0 w 1319601"/>
-                <a:gd name="connsiteY3" fmla="*/ 1235984 h 1258608"/>
-                <a:gd name="connsiteX4" fmla="*/ 30785 w 1319601"/>
-                <a:gd name="connsiteY4" fmla="*/ 0 h 1258608"/>
-                <a:gd name="connsiteX0" fmla="*/ 31250 w 1320066"/>
-                <a:gd name="connsiteY0" fmla="*/ 0 h 1267432"/>
-                <a:gd name="connsiteX1" fmla="*/ 1313313 w 1320066"/>
-                <a:gd name="connsiteY1" fmla="*/ 20567 h 1267432"/>
-                <a:gd name="connsiteX2" fmla="*/ 1320066 w 1320066"/>
-                <a:gd name="connsiteY2" fmla="*/ 1233129 h 1267432"/>
-                <a:gd name="connsiteX3" fmla="*/ 0 w 1320066"/>
-                <a:gd name="connsiteY3" fmla="*/ 1260343 h 1267432"/>
-                <a:gd name="connsiteX4" fmla="*/ 31250 w 1320066"/>
-                <a:gd name="connsiteY4" fmla="*/ 0 h 1267432"/>
-                <a:gd name="connsiteX0" fmla="*/ 31250 w 1320066"/>
-                <a:gd name="connsiteY0" fmla="*/ 0 h 1268253"/>
-                <a:gd name="connsiteX1" fmla="*/ 1313313 w 1320066"/>
-                <a:gd name="connsiteY1" fmla="*/ 20567 h 1268253"/>
-                <a:gd name="connsiteX2" fmla="*/ 1320066 w 1320066"/>
-                <a:gd name="connsiteY2" fmla="*/ 1233129 h 1268253"/>
-                <a:gd name="connsiteX3" fmla="*/ 0 w 1320066"/>
-                <a:gd name="connsiteY3" fmla="*/ 1260343 h 1268253"/>
-                <a:gd name="connsiteX4" fmla="*/ 31250 w 1320066"/>
-                <a:gd name="connsiteY4" fmla="*/ 0 h 1268253"/>
-                <a:gd name="connsiteX0" fmla="*/ 31250 w 1320066"/>
-                <a:gd name="connsiteY0" fmla="*/ 0 h 1263844"/>
-                <a:gd name="connsiteX1" fmla="*/ 1313313 w 1320066"/>
-                <a:gd name="connsiteY1" fmla="*/ 20567 h 1263844"/>
-                <a:gd name="connsiteX2" fmla="*/ 1320066 w 1320066"/>
-                <a:gd name="connsiteY2" fmla="*/ 1233129 h 1263844"/>
-                <a:gd name="connsiteX3" fmla="*/ 0 w 1320066"/>
-                <a:gd name="connsiteY3" fmla="*/ 1260343 h 1263844"/>
-                <a:gd name="connsiteX4" fmla="*/ 31250 w 1320066"/>
-                <a:gd name="connsiteY4" fmla="*/ 0 h 1263844"/>
-                <a:gd name="connsiteX0" fmla="*/ 31250 w 1320066"/>
-                <a:gd name="connsiteY0" fmla="*/ 0 h 1263844"/>
-                <a:gd name="connsiteX1" fmla="*/ 1313313 w 1320066"/>
-                <a:gd name="connsiteY1" fmla="*/ 20567 h 1263844"/>
-                <a:gd name="connsiteX2" fmla="*/ 1320066 w 1320066"/>
-                <a:gd name="connsiteY2" fmla="*/ 1233129 h 1263844"/>
-                <a:gd name="connsiteX3" fmla="*/ 0 w 1320066"/>
-                <a:gd name="connsiteY3" fmla="*/ 1260343 h 1263844"/>
-                <a:gd name="connsiteX4" fmla="*/ 31250 w 1320066"/>
-                <a:gd name="connsiteY4" fmla="*/ 0 h 1263844"/>
-              </a:gdLst>
-              <a:ahLst/>
-              <a:cxnLst>
-                <a:cxn ang="0">
-                  <a:pos x="connsiteX0" y="connsiteY0"/>
-                </a:cxn>
-                <a:cxn ang="0">
-                  <a:pos x="connsiteX1" y="connsiteY1"/>
-                </a:cxn>
-                <a:cxn ang="0">
-                  <a:pos x="connsiteX2" y="connsiteY2"/>
-                </a:cxn>
-                <a:cxn ang="0">
-                  <a:pos x="connsiteX3" y="connsiteY3"/>
-                </a:cxn>
-                <a:cxn ang="0">
-                  <a:pos x="connsiteX4" y="connsiteY4"/>
-                </a:cxn>
-              </a:cxnLst>
-              <a:rect l="l" t="t" r="r" b="b"/>
-              <a:pathLst>
-                <a:path w="1320066" h="1263844">
-                  <a:moveTo>
-                    <a:pt x="31250" y="0"/>
-                  </a:moveTo>
-                  <a:lnTo>
-                    <a:pt x="1313313" y="20567"/>
-                  </a:lnTo>
-                  <a:cubicBezTo>
-                    <a:pt x="1315242" y="429048"/>
-                    <a:pt x="1291435" y="859628"/>
-                    <a:pt x="1320066" y="1233129"/>
-                  </a:cubicBezTo>
-                  <a:cubicBezTo>
-                    <a:pt x="665493" y="1279400"/>
-                    <a:pt x="439867" y="1259391"/>
-                    <a:pt x="0" y="1260343"/>
-                  </a:cubicBezTo>
-                  <a:lnTo>
-                    <a:pt x="31250" y="0"/>
-                  </a:lnTo>
-                  <a:close/>
-                </a:path>
-              </a:pathLst>
-            </a:custGeom>
-            <a:gradFill flip="none" rotWithShape="1">
-              <a:gsLst>
-                <a:gs pos="0">
-                  <a:srgbClr val="F3C8B9"/>
-                </a:gs>
-                <a:gs pos="100000">
-                  <a:srgbClr val="EA9486"/>
-                </a:gs>
-              </a:gsLst>
-              <a:lin ang="5400000" scaled="1"/>
-              <a:tileRect/>
-            </a:gradFill>
-            <a:ln>
-              <a:noFill/>
-            </a:ln>
-            <a:effectLst>
-              <a:outerShdw blurRad="38100" dist="12700" dir="5400000" sx="102000" sy="102000" algn="ctr" rotWithShape="0">
-                <a:prstClr val="black">
-                  <a:alpha val="40000"/>
-                </a:prstClr>
-              </a:outerShdw>
-            </a:effectLst>
-          </p:spPr>
-          <p:style>
-            <a:lnRef idx="2">
-              <a:schemeClr val="accent1">
-                <a:shade val="50000"/>
-              </a:schemeClr>
-            </a:lnRef>
-            <a:fillRef idx="1">
-              <a:schemeClr val="accent1"/>
-            </a:fillRef>
-            <a:effectRef idx="0">
-              <a:schemeClr val="accent1"/>
-            </a:effectRef>
-            <a:fontRef idx="minor">
-              <a:schemeClr val="lt1"/>
-            </a:fontRef>
-          </p:style>
-          <p:txBody>
-            <a:bodyPr lIns="45720" tIns="45720" rIns="45720" bIns="45720" rtlCol="0" anchor="ctr"/>
-            <a:lstStyle>
-              <a:defPPr>
-                <a:defRPr lang="en-US"/>
-              </a:defPPr>
-              <a:lvl1pPr marL="0" algn="l" defTabSz="914400" rtl="0" eaLnBrk="1" latinLnBrk="0" hangingPunct="1">
-                <a:defRPr sz="1800" kern="1200">
-                  <a:solidFill>
-                    <a:schemeClr val="lt1"/>
-                  </a:solidFill>
-                  <a:latin typeface="+mn-lt"/>
-                  <a:ea typeface="+mn-ea"/>
-                  <a:cs typeface="+mn-cs"/>
-                </a:defRPr>
-              </a:lvl1pPr>
-              <a:lvl2pPr marL="457200" algn="l" defTabSz="914400" rtl="0" eaLnBrk="1" latinLnBrk="0" hangingPunct="1">
-                <a:defRPr sz="1800" kern="1200">
-                  <a:solidFill>
-                    <a:schemeClr val="lt1"/>
-                  </a:solidFill>
-                  <a:latin typeface="+mn-lt"/>
-                  <a:ea typeface="+mn-ea"/>
-                  <a:cs typeface="+mn-cs"/>
-                </a:defRPr>
-              </a:lvl2pPr>
-              <a:lvl3pPr marL="914400" algn="l" defTabSz="914400" rtl="0" eaLnBrk="1" latinLnBrk="0" hangingPunct="1">
-                <a:defRPr sz="1800" kern="1200">
-                  <a:solidFill>
-                    <a:schemeClr val="lt1"/>
-                  </a:solidFill>
-                  <a:latin typeface="+mn-lt"/>
-                  <a:ea typeface="+mn-ea"/>
-                  <a:cs typeface="+mn-cs"/>
-                </a:defRPr>
-              </a:lvl3pPr>
-              <a:lvl4pPr marL="1371600" algn="l" defTabSz="914400" rtl="0" eaLnBrk="1" latinLnBrk="0" hangingPunct="1">
-                <a:defRPr sz="1800" kern="1200">
-                  <a:solidFill>
-                    <a:schemeClr val="lt1"/>
-                  </a:solidFill>
-                  <a:latin typeface="+mn-lt"/>
-                  <a:ea typeface="+mn-ea"/>
-                  <a:cs typeface="+mn-cs"/>
-                </a:defRPr>
-              </a:lvl4pPr>
-              <a:lvl5pPr marL="1828800" algn="l" defTabSz="914400" rtl="0" eaLnBrk="1" latinLnBrk="0" hangingPunct="1">
-                <a:defRPr sz="1800" kern="1200">
-                  <a:solidFill>
-                    <a:schemeClr val="lt1"/>
-                  </a:solidFill>
-                  <a:latin typeface="+mn-lt"/>
-                  <a:ea typeface="+mn-ea"/>
-                  <a:cs typeface="+mn-cs"/>
-                </a:defRPr>
-              </a:lvl5pPr>
-              <a:lvl6pPr marL="2286000" algn="l" defTabSz="914400" rtl="0" eaLnBrk="1" latinLnBrk="0" hangingPunct="1">
-                <a:defRPr sz="1800" kern="1200">
-                  <a:solidFill>
-                    <a:schemeClr val="lt1"/>
-                  </a:solidFill>
-                  <a:latin typeface="+mn-lt"/>
-                  <a:ea typeface="+mn-ea"/>
-                  <a:cs typeface="+mn-cs"/>
-                </a:defRPr>
-              </a:lvl6pPr>
-              <a:lvl7pPr marL="2743200" algn="l" defTabSz="914400" rtl="0" eaLnBrk="1" latinLnBrk="0" hangingPunct="1">
-                <a:defRPr sz="1800" kern="1200">
-                  <a:solidFill>
-                    <a:schemeClr val="lt1"/>
-                  </a:solidFill>
-                  <a:latin typeface="+mn-lt"/>
-                  <a:ea typeface="+mn-ea"/>
-                  <a:cs typeface="+mn-cs"/>
-                </a:defRPr>
-              </a:lvl7pPr>
-              <a:lvl8pPr marL="3200400" algn="l" defTabSz="914400" rtl="0" eaLnBrk="1" latinLnBrk="0" hangingPunct="1">
-                <a:defRPr sz="1800" kern="1200">
-                  <a:solidFill>
-                    <a:schemeClr val="lt1"/>
-                  </a:solidFill>
-                  <a:latin typeface="+mn-lt"/>
-                  <a:ea typeface="+mn-ea"/>
-                  <a:cs typeface="+mn-cs"/>
-                </a:defRPr>
-              </a:lvl8pPr>
-              <a:lvl9pPr marL="3657600" algn="l" defTabSz="914400" rtl="0" eaLnBrk="1" latinLnBrk="0" hangingPunct="1">
-                <a:defRPr sz="1800" kern="1200">
-                  <a:solidFill>
-                    <a:schemeClr val="lt1"/>
-                  </a:solidFill>
-                  <a:latin typeface="+mn-lt"/>
-                  <a:ea typeface="+mn-ea"/>
-                  <a:cs typeface="+mn-cs"/>
-                </a:defRPr>
-              </a:lvl9pPr>
-            </a:lstStyle>
-            <a:p>
-              <a:pPr algn="ctr"/>
-              <a:endParaRPr lang="en-US" sz="1200" dirty="0">
-                <a:solidFill>
-                  <a:schemeClr val="bg1"/>
-                </a:solidFill>
-                <a:latin typeface="Arial" pitchFamily="34" charset="0"/>
-                <a:cs typeface="Arial" pitchFamily="34" charset="0"/>
-              </a:endParaRPr>
-            </a:p>
-          </p:txBody>
-        </p:sp>
-        <p:sp>
-          <p:nvSpPr>
-            <p:cNvPr id="144" name="Rectangle 143">
-              <a:extLst>
-                <a:ext uri="{FF2B5EF4-FFF2-40B4-BE49-F238E27FC236}">
-                  <a16:creationId xmlns:a16="http://schemas.microsoft.com/office/drawing/2014/main" id="{A323F981-30F2-40CE-9746-9791D46EB268}"/>
-                </a:ext>
-              </a:extLst>
-            </p:cNvPr>
-            <p:cNvSpPr>
-              <a:spLocks noChangeAspect="1"/>
-            </p:cNvSpPr>
-            <p:nvPr/>
-          </p:nvSpPr>
-          <p:spPr>
-            <a:xfrm rot="21356622">
-              <a:off x="5546431" y="2965763"/>
-              <a:ext cx="1225365" cy="1662908"/>
-            </a:xfrm>
-            <a:prstGeom prst="rect">
-              <a:avLst/>
-            </a:prstGeom>
-          </p:spPr>
-          <p:txBody>
-            <a:bodyPr wrap="square">
-              <a:spAutoFit/>
-            </a:bodyPr>
-            <a:lstStyle>
-              <a:defPPr>
-                <a:defRPr lang="en-US"/>
-              </a:defPPr>
-              <a:lvl1pPr marL="0" algn="l" defTabSz="914400" rtl="0" eaLnBrk="1" latinLnBrk="0" hangingPunct="1">
-                <a:defRPr sz="1800" kern="1200">
-                  <a:solidFill>
-                    <a:schemeClr val="tx1"/>
-                  </a:solidFill>
-                  <a:latin typeface="+mn-lt"/>
-                  <a:ea typeface="+mn-ea"/>
-                  <a:cs typeface="+mn-cs"/>
-                </a:defRPr>
-              </a:lvl1pPr>
-              <a:lvl2pPr marL="457200" algn="l" defTabSz="914400" rtl="0" eaLnBrk="1" latinLnBrk="0" hangingPunct="1">
-                <a:defRPr sz="1800" kern="1200">
-                  <a:solidFill>
-                    <a:schemeClr val="tx1"/>
-                  </a:solidFill>
-                  <a:latin typeface="+mn-lt"/>
-                  <a:ea typeface="+mn-ea"/>
-                  <a:cs typeface="+mn-cs"/>
-                </a:defRPr>
-              </a:lvl2pPr>
-              <a:lvl3pPr marL="914400" algn="l" defTabSz="914400" rtl="0" eaLnBrk="1" latinLnBrk="0" hangingPunct="1">
-                <a:defRPr sz="1800" kern="1200">
-                  <a:solidFill>
-                    <a:schemeClr val="tx1"/>
-                  </a:solidFill>
-                  <a:latin typeface="+mn-lt"/>
-                  <a:ea typeface="+mn-ea"/>
-                  <a:cs typeface="+mn-cs"/>
-                </a:defRPr>
-              </a:lvl3pPr>
-              <a:lvl4pPr marL="1371600" algn="l" defTabSz="914400" rtl="0" eaLnBrk="1" latinLnBrk="0" hangingPunct="1">
-                <a:defRPr sz="1800" kern="1200">
-                  <a:solidFill>
-                    <a:schemeClr val="tx1"/>
-                  </a:solidFill>
-                  <a:latin typeface="+mn-lt"/>
-                  <a:ea typeface="+mn-ea"/>
-                  <a:cs typeface="+mn-cs"/>
-                </a:defRPr>
-              </a:lvl4pPr>
-              <a:lvl5pPr marL="1828800" algn="l" defTabSz="914400" rtl="0" eaLnBrk="1" latinLnBrk="0" hangingPunct="1">
-                <a:defRPr sz="1800" kern="1200">
-                  <a:solidFill>
-                    <a:schemeClr val="tx1"/>
-                  </a:solidFill>
-                  <a:latin typeface="+mn-lt"/>
-                  <a:ea typeface="+mn-ea"/>
-                  <a:cs typeface="+mn-cs"/>
-                </a:defRPr>
-              </a:lvl5pPr>
-              <a:lvl6pPr marL="2286000" algn="l" defTabSz="914400" rtl="0" eaLnBrk="1" latinLnBrk="0" hangingPunct="1">
-                <a:defRPr sz="1800" kern="1200">
-                  <a:solidFill>
-                    <a:schemeClr val="tx1"/>
-                  </a:solidFill>
-                  <a:latin typeface="+mn-lt"/>
-                  <a:ea typeface="+mn-ea"/>
-                  <a:cs typeface="+mn-cs"/>
-                </a:defRPr>
-              </a:lvl6pPr>
-              <a:lvl7pPr marL="2743200" algn="l" defTabSz="914400" rtl="0" eaLnBrk="1" latinLnBrk="0" hangingPunct="1">
-                <a:defRPr sz="1800" kern="1200">
-                  <a:solidFill>
-                    <a:schemeClr val="tx1"/>
-                  </a:solidFill>
-                  <a:latin typeface="+mn-lt"/>
-                  <a:ea typeface="+mn-ea"/>
-                  <a:cs typeface="+mn-cs"/>
-                </a:defRPr>
-              </a:lvl7pPr>
-              <a:lvl8pPr marL="3200400" algn="l" defTabSz="914400" rtl="0" eaLnBrk="1" latinLnBrk="0" hangingPunct="1">
-                <a:defRPr sz="1800" kern="1200">
-                  <a:solidFill>
-                    <a:schemeClr val="tx1"/>
-                  </a:solidFill>
-                  <a:latin typeface="+mn-lt"/>
-                  <a:ea typeface="+mn-ea"/>
-                  <a:cs typeface="+mn-cs"/>
-                </a:defRPr>
-              </a:lvl8pPr>
-              <a:lvl9pPr marL="3657600" algn="l" defTabSz="914400" rtl="0" eaLnBrk="1" latinLnBrk="0" hangingPunct="1">
-                <a:defRPr sz="1800" kern="1200">
-                  <a:solidFill>
-                    <a:schemeClr val="tx1"/>
-                  </a:solidFill>
-                  <a:latin typeface="+mn-lt"/>
-                  <a:ea typeface="+mn-ea"/>
-                  <a:cs typeface="+mn-cs"/>
-                </a:defRPr>
-              </a:lvl9pPr>
-            </a:lstStyle>
-            <a:p>
-              <a:pPr algn="ctr"/>
-              <a:r>
-                <a:rPr lang="en-US" sz="1200" dirty="0">
-                  <a:solidFill>
-                    <a:schemeClr val="bg1"/>
-                  </a:solidFill>
-                  <a:latin typeface="Comic Sans MS" pitchFamily="66" charset="0"/>
-                </a:rPr>
-                <a:t>Uni Students studying abroad</a:t>
-              </a:r>
-            </a:p>
-            <a:p>
-              <a:pPr marL="171450" indent="-171450" algn="ctr">
-                <a:buFont typeface="Arial" panose="020B0604020202020204" pitchFamily="34" charset="0"/>
-                <a:buChar char="•"/>
-              </a:pPr>
-              <a:endParaRPr lang="en-US" sz="1200" dirty="0">
-                <a:solidFill>
-                  <a:schemeClr val="bg1"/>
-                </a:solidFill>
-                <a:latin typeface="Comic Sans MS" pitchFamily="66" charset="0"/>
-              </a:endParaRPr>
-            </a:p>
-          </p:txBody>
-        </p:sp>
-        <p:grpSp>
-          <p:nvGrpSpPr>
-            <p:cNvPr id="145" name="Group 144">
-              <a:extLst>
-                <a:ext uri="{FF2B5EF4-FFF2-40B4-BE49-F238E27FC236}">
-                  <a16:creationId xmlns:a16="http://schemas.microsoft.com/office/drawing/2014/main" id="{85BE937F-7B9A-4F80-8C14-072AF04B6278}"/>
-                </a:ext>
-              </a:extLst>
-            </p:cNvPr>
-            <p:cNvGrpSpPr>
-              <a:grpSpLocks noChangeAspect="1"/>
-            </p:cNvGrpSpPr>
-            <p:nvPr/>
-          </p:nvGrpSpPr>
-          <p:grpSpPr>
-            <a:xfrm rot="21356622">
-              <a:off x="6008481" y="2764357"/>
-              <a:ext cx="184784" cy="186690"/>
-              <a:chOff x="4917745" y="2235200"/>
-              <a:chExt cx="2584952" cy="2489199"/>
-            </a:xfrm>
-            <a:effectLst>
-              <a:outerShdw blurRad="50800" dist="25400" dir="8100000" algn="tr" rotWithShape="0">
-                <a:prstClr val="black">
-                  <a:alpha val="45000"/>
-                </a:prstClr>
-              </a:outerShdw>
-            </a:effectLst>
-          </p:grpSpPr>
-          <p:sp>
-            <p:nvSpPr>
-              <p:cNvPr id="146" name="Oval 145">
-                <a:extLst>
-                  <a:ext uri="{FF2B5EF4-FFF2-40B4-BE49-F238E27FC236}">
-                    <a16:creationId xmlns:a16="http://schemas.microsoft.com/office/drawing/2014/main" id="{B3E21E13-1DAE-4F06-BEEF-396C8DAAE1AA}"/>
-                  </a:ext>
-                </a:extLst>
-              </p:cNvPr>
-              <p:cNvSpPr/>
-              <p:nvPr/>
-            </p:nvSpPr>
-            <p:spPr>
-              <a:xfrm>
-                <a:off x="4917745" y="2429067"/>
-                <a:ext cx="2295331" cy="2295332"/>
-              </a:xfrm>
-              <a:prstGeom prst="ellipse">
-                <a:avLst/>
-              </a:prstGeom>
-              <a:solidFill>
-                <a:srgbClr val="EBE600"/>
-              </a:solidFill>
-              <a:ln>
-                <a:noFill/>
-              </a:ln>
-              <a:effectLst/>
-              <a:scene3d>
-                <a:camera prst="orthographicFront">
-                  <a:rot lat="0" lon="0" rev="0"/>
-                </a:camera>
-                <a:lightRig rig="contrasting" dir="t">
-                  <a:rot lat="0" lon="0" rev="1500000"/>
-                </a:lightRig>
-              </a:scene3d>
-              <a:sp3d>
-                <a:bevelT w="44450" h="69850"/>
-              </a:sp3d>
-            </p:spPr>
-            <p:style>
-              <a:lnRef idx="1">
-                <a:schemeClr val="accent2"/>
-              </a:lnRef>
-              <a:fillRef idx="3">
-                <a:schemeClr val="accent2"/>
-              </a:fillRef>
-              <a:effectRef idx="2">
-                <a:schemeClr val="accent2"/>
-              </a:effectRef>
-              <a:fontRef idx="minor">
-                <a:schemeClr val="lt1"/>
-              </a:fontRef>
-            </p:style>
-            <p:txBody>
-              <a:bodyPr rot="0" spcFirstLastPara="0" vert="horz" wrap="square" lIns="91440" tIns="45720" rIns="91440" bIns="45720" numCol="1" spcCol="0" rtlCol="0" fromWordArt="0" anchor="ctr" anchorCtr="0" forceAA="0" compatLnSpc="1">
-                <a:prstTxWarp prst="textNoShape">
-                  <a:avLst/>
-                </a:prstTxWarp>
-                <a:noAutofit/>
-              </a:bodyPr>
-              <a:lstStyle>
-                <a:defPPr>
-                  <a:defRPr lang="en-US"/>
-                </a:defPPr>
-                <a:lvl1pPr marL="0" algn="l" defTabSz="914400" rtl="0" eaLnBrk="1" latinLnBrk="0" hangingPunct="1">
-                  <a:defRPr sz="1800" kern="1200">
-                    <a:solidFill>
-                      <a:schemeClr val="lt1"/>
-                    </a:solidFill>
-                    <a:latin typeface="+mn-lt"/>
-                    <a:ea typeface="+mn-ea"/>
-                    <a:cs typeface="+mn-cs"/>
-                  </a:defRPr>
-                </a:lvl1pPr>
-                <a:lvl2pPr marL="457200" algn="l" defTabSz="914400" rtl="0" eaLnBrk="1" latinLnBrk="0" hangingPunct="1">
-                  <a:defRPr sz="1800" kern="1200">
-                    <a:solidFill>
-                      <a:schemeClr val="lt1"/>
-                    </a:solidFill>
-                    <a:latin typeface="+mn-lt"/>
-                    <a:ea typeface="+mn-ea"/>
-                    <a:cs typeface="+mn-cs"/>
-                  </a:defRPr>
-                </a:lvl2pPr>
-                <a:lvl3pPr marL="914400" algn="l" defTabSz="914400" rtl="0" eaLnBrk="1" latinLnBrk="0" hangingPunct="1">
-                  <a:defRPr sz="1800" kern="1200">
-                    <a:solidFill>
-                      <a:schemeClr val="lt1"/>
-                    </a:solidFill>
-                    <a:latin typeface="+mn-lt"/>
-                    <a:ea typeface="+mn-ea"/>
-                    <a:cs typeface="+mn-cs"/>
-                  </a:defRPr>
-                </a:lvl3pPr>
-                <a:lvl4pPr marL="1371600" algn="l" defTabSz="914400" rtl="0" eaLnBrk="1" latinLnBrk="0" hangingPunct="1">
-                  <a:defRPr sz="1800" kern="1200">
-                    <a:solidFill>
-                      <a:schemeClr val="lt1"/>
-                    </a:solidFill>
-                    <a:latin typeface="+mn-lt"/>
-                    <a:ea typeface="+mn-ea"/>
-                    <a:cs typeface="+mn-cs"/>
-                  </a:defRPr>
-                </a:lvl4pPr>
-                <a:lvl5pPr marL="1828800" algn="l" defTabSz="914400" rtl="0" eaLnBrk="1" latinLnBrk="0" hangingPunct="1">
-                  <a:defRPr sz="1800" kern="1200">
-                    <a:solidFill>
-                      <a:schemeClr val="lt1"/>
-                    </a:solidFill>
-                    <a:latin typeface="+mn-lt"/>
-                    <a:ea typeface="+mn-ea"/>
-                    <a:cs typeface="+mn-cs"/>
-                  </a:defRPr>
-                </a:lvl5pPr>
-                <a:lvl6pPr marL="2286000" algn="l" defTabSz="914400" rtl="0" eaLnBrk="1" latinLnBrk="0" hangingPunct="1">
-                  <a:defRPr sz="1800" kern="1200">
-                    <a:solidFill>
-                      <a:schemeClr val="lt1"/>
-                    </a:solidFill>
-                    <a:latin typeface="+mn-lt"/>
-                    <a:ea typeface="+mn-ea"/>
-                    <a:cs typeface="+mn-cs"/>
-                  </a:defRPr>
-                </a:lvl6pPr>
-                <a:lvl7pPr marL="2743200" algn="l" defTabSz="914400" rtl="0" eaLnBrk="1" latinLnBrk="0" hangingPunct="1">
-                  <a:defRPr sz="1800" kern="1200">
-                    <a:solidFill>
-                      <a:schemeClr val="lt1"/>
-                    </a:solidFill>
-                    <a:latin typeface="+mn-lt"/>
-                    <a:ea typeface="+mn-ea"/>
-                    <a:cs typeface="+mn-cs"/>
-                  </a:defRPr>
-                </a:lvl7pPr>
-                <a:lvl8pPr marL="3200400" algn="l" defTabSz="914400" rtl="0" eaLnBrk="1" latinLnBrk="0" hangingPunct="1">
-                  <a:defRPr sz="1800" kern="1200">
-                    <a:solidFill>
-                      <a:schemeClr val="lt1"/>
-                    </a:solidFill>
-                    <a:latin typeface="+mn-lt"/>
-                    <a:ea typeface="+mn-ea"/>
-                    <a:cs typeface="+mn-cs"/>
-                  </a:defRPr>
-                </a:lvl8pPr>
-                <a:lvl9pPr marL="3657600" algn="l" defTabSz="914400" rtl="0" eaLnBrk="1" latinLnBrk="0" hangingPunct="1">
-                  <a:defRPr sz="1800" kern="1200">
-                    <a:solidFill>
-                      <a:schemeClr val="lt1"/>
-                    </a:solidFill>
-                    <a:latin typeface="+mn-lt"/>
-                    <a:ea typeface="+mn-ea"/>
-                    <a:cs typeface="+mn-cs"/>
-                  </a:defRPr>
-                </a:lvl9pPr>
-              </a:lstStyle>
-              <a:p>
-                <a:pPr algn="ctr"/>
-                <a:endParaRPr lang="en-US" sz="1600">
-                  <a:solidFill>
-                    <a:schemeClr val="bg1"/>
-                  </a:solidFill>
-                </a:endParaRPr>
-              </a:p>
-            </p:txBody>
-          </p:sp>
-          <p:sp>
-            <p:nvSpPr>
-              <p:cNvPr id="147" name="Oval 146">
-                <a:extLst>
-                  <a:ext uri="{FF2B5EF4-FFF2-40B4-BE49-F238E27FC236}">
-                    <a16:creationId xmlns:a16="http://schemas.microsoft.com/office/drawing/2014/main" id="{FFD54E71-F8F9-43D6-8256-3C18CD6868D9}"/>
-                  </a:ext>
-                </a:extLst>
-              </p:cNvPr>
-              <p:cNvSpPr/>
-              <p:nvPr/>
-            </p:nvSpPr>
-            <p:spPr>
-              <a:xfrm>
-                <a:off x="5484130" y="2913213"/>
-                <a:ext cx="1253454" cy="1253453"/>
-              </a:xfrm>
-              <a:prstGeom prst="ellipse">
-                <a:avLst/>
-              </a:prstGeom>
-              <a:solidFill>
-                <a:srgbClr val="A6A200"/>
-              </a:solidFill>
-              <a:ln>
-                <a:noFill/>
-              </a:ln>
-              <a:effectLst/>
-              <a:scene3d>
-                <a:camera prst="orthographicFront">
-                  <a:rot lat="0" lon="0" rev="0"/>
-                </a:camera>
-                <a:lightRig rig="contrasting" dir="t">
-                  <a:rot lat="0" lon="0" rev="1500000"/>
-                </a:lightRig>
-              </a:scene3d>
-              <a:sp3d/>
-            </p:spPr>
-            <p:style>
-              <a:lnRef idx="1">
-                <a:schemeClr val="accent2"/>
-              </a:lnRef>
-              <a:fillRef idx="3">
-                <a:schemeClr val="accent2"/>
-              </a:fillRef>
-              <a:effectRef idx="2">
-                <a:schemeClr val="accent2"/>
-              </a:effectRef>
-              <a:fontRef idx="minor">
-                <a:schemeClr val="lt1"/>
-              </a:fontRef>
-            </p:style>
-            <p:txBody>
-              <a:bodyPr rot="0" spcFirstLastPara="0" vert="horz" wrap="square" lIns="91440" tIns="45720" rIns="91440" bIns="45720" numCol="1" spcCol="0" rtlCol="0" fromWordArt="0" anchor="ctr" anchorCtr="0" forceAA="0" compatLnSpc="1">
-                <a:prstTxWarp prst="textNoShape">
-                  <a:avLst/>
-                </a:prstTxWarp>
-                <a:noAutofit/>
-              </a:bodyPr>
-              <a:lstStyle>
-                <a:defPPr>
-                  <a:defRPr lang="en-US"/>
-                </a:defPPr>
-                <a:lvl1pPr marL="0" algn="l" defTabSz="914400" rtl="0" eaLnBrk="1" latinLnBrk="0" hangingPunct="1">
-                  <a:defRPr sz="1800" kern="1200">
-                    <a:solidFill>
-                      <a:schemeClr val="lt1"/>
-                    </a:solidFill>
-                    <a:latin typeface="+mn-lt"/>
-                    <a:ea typeface="+mn-ea"/>
-                    <a:cs typeface="+mn-cs"/>
-                  </a:defRPr>
-                </a:lvl1pPr>
-                <a:lvl2pPr marL="457200" algn="l" defTabSz="914400" rtl="0" eaLnBrk="1" latinLnBrk="0" hangingPunct="1">
-                  <a:defRPr sz="1800" kern="1200">
-                    <a:solidFill>
-                      <a:schemeClr val="lt1"/>
-                    </a:solidFill>
-                    <a:latin typeface="+mn-lt"/>
-                    <a:ea typeface="+mn-ea"/>
-                    <a:cs typeface="+mn-cs"/>
-                  </a:defRPr>
-                </a:lvl2pPr>
-                <a:lvl3pPr marL="914400" algn="l" defTabSz="914400" rtl="0" eaLnBrk="1" latinLnBrk="0" hangingPunct="1">
-                  <a:defRPr sz="1800" kern="1200">
-                    <a:solidFill>
-                      <a:schemeClr val="lt1"/>
-                    </a:solidFill>
-                    <a:latin typeface="+mn-lt"/>
-                    <a:ea typeface="+mn-ea"/>
-                    <a:cs typeface="+mn-cs"/>
-                  </a:defRPr>
-                </a:lvl3pPr>
-                <a:lvl4pPr marL="1371600" algn="l" defTabSz="914400" rtl="0" eaLnBrk="1" latinLnBrk="0" hangingPunct="1">
-                  <a:defRPr sz="1800" kern="1200">
-                    <a:solidFill>
-                      <a:schemeClr val="lt1"/>
-                    </a:solidFill>
-                    <a:latin typeface="+mn-lt"/>
-                    <a:ea typeface="+mn-ea"/>
-                    <a:cs typeface="+mn-cs"/>
-                  </a:defRPr>
-                </a:lvl4pPr>
-                <a:lvl5pPr marL="1828800" algn="l" defTabSz="914400" rtl="0" eaLnBrk="1" latinLnBrk="0" hangingPunct="1">
-                  <a:defRPr sz="1800" kern="1200">
-                    <a:solidFill>
-                      <a:schemeClr val="lt1"/>
-                    </a:solidFill>
-                    <a:latin typeface="+mn-lt"/>
-                    <a:ea typeface="+mn-ea"/>
-                    <a:cs typeface="+mn-cs"/>
-                  </a:defRPr>
-                </a:lvl5pPr>
-                <a:lvl6pPr marL="2286000" algn="l" defTabSz="914400" rtl="0" eaLnBrk="1" latinLnBrk="0" hangingPunct="1">
-                  <a:defRPr sz="1800" kern="1200">
-                    <a:solidFill>
-                      <a:schemeClr val="lt1"/>
-                    </a:solidFill>
-                    <a:latin typeface="+mn-lt"/>
-                    <a:ea typeface="+mn-ea"/>
-                    <a:cs typeface="+mn-cs"/>
-                  </a:defRPr>
-                </a:lvl6pPr>
-                <a:lvl7pPr marL="2743200" algn="l" defTabSz="914400" rtl="0" eaLnBrk="1" latinLnBrk="0" hangingPunct="1">
-                  <a:defRPr sz="1800" kern="1200">
-                    <a:solidFill>
-                      <a:schemeClr val="lt1"/>
-                    </a:solidFill>
-                    <a:latin typeface="+mn-lt"/>
-                    <a:ea typeface="+mn-ea"/>
-                    <a:cs typeface="+mn-cs"/>
-                  </a:defRPr>
-                </a:lvl7pPr>
-                <a:lvl8pPr marL="3200400" algn="l" defTabSz="914400" rtl="0" eaLnBrk="1" latinLnBrk="0" hangingPunct="1">
-                  <a:defRPr sz="1800" kern="1200">
-                    <a:solidFill>
-                      <a:schemeClr val="lt1"/>
-                    </a:solidFill>
-                    <a:latin typeface="+mn-lt"/>
-                    <a:ea typeface="+mn-ea"/>
-                    <a:cs typeface="+mn-cs"/>
-                  </a:defRPr>
-                </a:lvl8pPr>
-                <a:lvl9pPr marL="3657600" algn="l" defTabSz="914400" rtl="0" eaLnBrk="1" latinLnBrk="0" hangingPunct="1">
-                  <a:defRPr sz="1800" kern="1200">
-                    <a:solidFill>
-                      <a:schemeClr val="lt1"/>
-                    </a:solidFill>
-                    <a:latin typeface="+mn-lt"/>
-                    <a:ea typeface="+mn-ea"/>
-                    <a:cs typeface="+mn-cs"/>
-                  </a:defRPr>
-                </a:lvl9pPr>
-              </a:lstStyle>
-              <a:p>
-                <a:pPr algn="ctr"/>
-                <a:endParaRPr lang="en-US" sz="1600">
-                  <a:solidFill>
-                    <a:schemeClr val="bg1"/>
-                  </a:solidFill>
-                </a:endParaRPr>
-              </a:p>
-            </p:txBody>
-          </p:sp>
-          <p:sp>
-            <p:nvSpPr>
-              <p:cNvPr id="148" name="Oval 147">
-                <a:extLst>
-                  <a:ext uri="{FF2B5EF4-FFF2-40B4-BE49-F238E27FC236}">
-                    <a16:creationId xmlns:a16="http://schemas.microsoft.com/office/drawing/2014/main" id="{202E3B0A-5E5D-4337-9AF7-961D190FF87A}"/>
-                  </a:ext>
-                </a:extLst>
-              </p:cNvPr>
-              <p:cNvSpPr/>
-              <p:nvPr/>
-            </p:nvSpPr>
-            <p:spPr>
-              <a:xfrm>
-                <a:off x="5972471" y="2235200"/>
-                <a:ext cx="1530226" cy="1530226"/>
               </a:xfrm>
               <a:prstGeom prst="ellipse">
                 <a:avLst/>

--- a/insuranio.pptx
+++ b/insuranio.pptx
@@ -5,7 +5,7 @@
     <p:sldMasterId id="2147483660" r:id="rId1"/>
   </p:sldMasterIdLst>
   <p:notesMasterIdLst>
-    <p:notesMasterId r:id="rId9"/>
+    <p:notesMasterId r:id="rId8"/>
   </p:notesMasterIdLst>
   <p:sldIdLst>
     <p:sldId id="256" r:id="rId2"/>
@@ -13,8 +13,7 @@
     <p:sldId id="275" r:id="rId4"/>
     <p:sldId id="276" r:id="rId5"/>
     <p:sldId id="277" r:id="rId6"/>
-    <p:sldId id="261" r:id="rId7"/>
-    <p:sldId id="269" r:id="rId8"/>
+    <p:sldId id="269" r:id="rId7"/>
   </p:sldIdLst>
   <p:sldSz cx="12192000" cy="6858000"/>
   <p:notesSz cx="6858000" cy="9144000"/>
@@ -7816,151 +7815,6 @@
 </file>
 
 <file path=ppt/slides/slide6.xml><?xml version="1.0" encoding="utf-8"?>
-<p:sld xmlns:a="http://schemas.openxmlformats.org/drawingml/2006/main" xmlns:r="http://schemas.openxmlformats.org/officeDocument/2006/relationships" xmlns:p="http://schemas.openxmlformats.org/presentationml/2006/main" show="0">
-  <p:cSld>
-    <p:spTree>
-      <p:nvGrpSpPr>
-        <p:cNvPr id="1" name=""/>
-        <p:cNvGrpSpPr/>
-        <p:nvPr/>
-      </p:nvGrpSpPr>
-      <p:grpSpPr>
-        <a:xfrm>
-          <a:off x="0" y="0"/>
-          <a:ext cx="0" cy="0"/>
-          <a:chOff x="0" y="0"/>
-          <a:chExt cx="0" cy="0"/>
-        </a:xfrm>
-      </p:grpSpPr>
-      <p:sp>
-        <p:nvSpPr>
-          <p:cNvPr id="2" name="Title 1"/>
-          <p:cNvSpPr>
-            <a:spLocks noGrp="1"/>
-          </p:cNvSpPr>
-          <p:nvPr>
-            <p:ph type="title"/>
-          </p:nvPr>
-        </p:nvSpPr>
-        <p:spPr/>
-        <p:txBody>
-          <a:bodyPr/>
-          <a:lstStyle/>
-          <a:p>
-            <a:pPr algn="ctr"/>
-            <a:r>
-              <a:rPr lang="en-US" dirty="0"/>
-              <a:t>Benefits using </a:t>
-            </a:r>
-            <a:r>
-              <a:rPr lang="en-US" dirty="0" err="1"/>
-              <a:t>Truelayer</a:t>
-            </a:r>
-            <a:br>
-              <a:rPr lang="en-US" dirty="0"/>
-            </a:br>
-            <a:br>
-              <a:rPr lang="en-US" dirty="0"/>
-            </a:br>
-            <a:endParaRPr lang="en-US" dirty="0"/>
-          </a:p>
-        </p:txBody>
-      </p:sp>
-      <p:sp>
-        <p:nvSpPr>
-          <p:cNvPr id="3" name="Content Placeholder 2"/>
-          <p:cNvSpPr>
-            <a:spLocks noGrp="1"/>
-          </p:cNvSpPr>
-          <p:nvPr>
-            <p:ph idx="1"/>
-          </p:nvPr>
-        </p:nvSpPr>
-        <p:spPr>
-          <a:xfrm>
-            <a:off x="234000" y="1310400"/>
-            <a:ext cx="10782907" cy="4195481"/>
-          </a:xfrm>
-        </p:spPr>
-        <p:txBody>
-          <a:bodyPr>
-            <a:noAutofit/>
-          </a:bodyPr>
-          <a:lstStyle/>
-          <a:p>
-            <a:r>
-              <a:rPr lang="en-US" dirty="0"/>
-              <a:t>Customer: </a:t>
-            </a:r>
-          </a:p>
-          <a:p>
-            <a:pPr lvl="1"/>
-            <a:r>
-              <a:rPr lang="en-US" sz="2000" dirty="0"/>
-              <a:t>Receives better quality products from Third Parties</a:t>
-            </a:r>
-          </a:p>
-          <a:p>
-            <a:r>
-              <a:rPr lang="en-US" dirty="0"/>
-              <a:t>BOC: </a:t>
-            </a:r>
-          </a:p>
-          <a:p>
-            <a:pPr lvl="1"/>
-            <a:r>
-              <a:rPr lang="en-US" sz="2000" dirty="0"/>
-              <a:t>The brand becomes more visible to more clients</a:t>
-            </a:r>
-          </a:p>
-          <a:p>
-            <a:pPr lvl="1"/>
-            <a:r>
-              <a:rPr lang="en-US" sz="2000" dirty="0"/>
-              <a:t>The brand name appears next to other global banks </a:t>
-            </a:r>
-          </a:p>
-          <a:p>
-            <a:pPr lvl="1"/>
-            <a:r>
-              <a:rPr lang="en-US" sz="2000" dirty="0"/>
-              <a:t>Automatically becomes available as an option within third party apps using </a:t>
-            </a:r>
-            <a:r>
-              <a:rPr lang="en-US" sz="2000" dirty="0" err="1"/>
-              <a:t>Truelayer</a:t>
-            </a:r>
-            <a:endParaRPr lang="en-US" sz="2000" dirty="0"/>
-          </a:p>
-          <a:p>
-            <a:r>
-              <a:rPr lang="en-US" dirty="0"/>
-              <a:t>Third Party Apps:</a:t>
-            </a:r>
-          </a:p>
-          <a:p>
-            <a:pPr lvl="1"/>
-            <a:r>
-              <a:rPr lang="en-US" sz="2000" dirty="0"/>
-              <a:t>A single implementation makes the product relevant to a wide user base</a:t>
-            </a:r>
-          </a:p>
-        </p:txBody>
-      </p:sp>
-    </p:spTree>
-    <p:extLst>
-      <p:ext uri="{BB962C8B-B14F-4D97-AF65-F5344CB8AC3E}">
-        <p14:creationId xmlns:p14="http://schemas.microsoft.com/office/powerpoint/2010/main" val="3802090118"/>
-      </p:ext>
-    </p:extLst>
-  </p:cSld>
-  <p:clrMapOvr>
-    <a:masterClrMapping/>
-  </p:clrMapOvr>
-</p:sld>
-</file>
-
-<file path=ppt/slides/slide7.xml><?xml version="1.0" encoding="utf-8"?>
 <p:sld xmlns:a="http://schemas.openxmlformats.org/drawingml/2006/main" xmlns:r="http://schemas.openxmlformats.org/officeDocument/2006/relationships" xmlns:p="http://schemas.openxmlformats.org/presentationml/2006/main">
   <p:cSld>
     <p:spTree>

--- a/insuranio.pptx
+++ b/insuranio.pptx
@@ -6645,17 +6645,17 @@
         </p:blipFill>
         <p:spPr>
           <a:xfrm>
-            <a:off x="3090732" y="209805"/>
+            <a:off x="3169388" y="209805"/>
             <a:ext cx="4515480" cy="1643443"/>
           </a:xfrm>
           <a:prstGeom prst="rect">
             <a:avLst/>
           </a:prstGeom>
           <a:effectLst>
-            <a:outerShdw blurRad="50800" dist="63500" dir="5400000" algn="t" rotWithShape="0">
-              <a:prstClr val="black">
-                <a:alpha val="70000"/>
-              </a:prstClr>
+            <a:outerShdw blurRad="88900" dist="63500" dir="9240000" sx="101000" sy="101000" algn="t" rotWithShape="0">
+              <a:schemeClr val="tx1">
+                <a:alpha val="85000"/>
+              </a:schemeClr>
             </a:outerShdw>
           </a:effectLst>
         </p:spPr>
